--- a/Documents/PPT内容/visualPunk-ppt.pptx
+++ b/Documents/PPT内容/visualPunk-ppt.pptx
@@ -5,21 +5,21 @@
     <p:sldMasterId id="2147483648" r:id="rId1"/>
   </p:sldMasterIdLst>
   <p:notesMasterIdLst>
-    <p:notesMasterId r:id="rId4"/>
+    <p:notesMasterId r:id="rId14"/>
   </p:notesMasterIdLst>
   <p:sldIdLst>
-    <p:sldId id="256" r:id="rId3"/>
-    <p:sldId id="312" r:id="rId5"/>
-    <p:sldId id="314" r:id="rId6"/>
-    <p:sldId id="315" r:id="rId7"/>
-    <p:sldId id="317" r:id="rId8"/>
-    <p:sldId id="318" r:id="rId9"/>
-    <p:sldId id="319" r:id="rId10"/>
-    <p:sldId id="320" r:id="rId11"/>
-    <p:sldId id="322" r:id="rId12"/>
-    <p:sldId id="324" r:id="rId13"/>
-    <p:sldId id="323" r:id="rId14"/>
-    <p:sldId id="287" r:id="rId15"/>
+    <p:sldId id="256" r:id="rId2"/>
+    <p:sldId id="312" r:id="rId3"/>
+    <p:sldId id="314" r:id="rId4"/>
+    <p:sldId id="315" r:id="rId5"/>
+    <p:sldId id="317" r:id="rId6"/>
+    <p:sldId id="318" r:id="rId7"/>
+    <p:sldId id="319" r:id="rId8"/>
+    <p:sldId id="320" r:id="rId9"/>
+    <p:sldId id="322" r:id="rId10"/>
+    <p:sldId id="324" r:id="rId11"/>
+    <p:sldId id="323" r:id="rId12"/>
+    <p:sldId id="287" r:id="rId13"/>
   </p:sldIdLst>
   <p:sldSz cx="9144000" cy="5143500" type="screen16x9"/>
   <p:notesSz cx="6858000" cy="9144000"/>
@@ -118,6 +118,22 @@
       </a:defRPr>
     </a:lvl9pPr>
   </p:defaultTextStyle>
+  <p:extLst>
+    <p:ext uri="{EFAFB233-063F-42B5-8137-9DF3F51BA10A}">
+      <p15:sldGuideLst xmlns:p15="http://schemas.microsoft.com/office/powerpoint/2012/main">
+        <p15:guide id="1" orient="horz" pos="1579">
+          <p15:clr>
+            <a:srgbClr val="A4A3A4"/>
+          </p15:clr>
+        </p15:guide>
+        <p15:guide id="2" pos="2851">
+          <p15:clr>
+            <a:srgbClr val="A4A3A4"/>
+          </p15:clr>
+        </p15:guide>
+      </p15:sldGuideLst>
+    </p:ext>
+  </p:extLst>
 </p:presentation>
 </file>
 
@@ -203,6 +219,7 @@
           <a:p>
             <a:fld id="{0DC58FF6-4467-43F1-89AB-D185139918FC}" type="datetimeFigureOut">
               <a:rPr lang="zh-CN" altLang="en-US" smtClean="0"/>
+              <a:t>2019/1/8</a:t>
             </a:fld>
             <a:endParaRPr lang="zh-CN" altLang="en-US"/>
           </a:p>
@@ -266,42 +283,37 @@
           <a:p>
             <a:pPr lvl="0"/>
             <a:r>
-              <a:rPr lang="zh-CN" altLang="en-US" smtClean="0"/>
+              <a:rPr lang="zh-CN" altLang="en-US"/>
               <a:t>单击此处编辑母版文本样式</a:t>
             </a:r>
-            <a:endParaRPr lang="zh-CN" altLang="en-US" smtClean="0"/>
           </a:p>
           <a:p>
             <a:pPr lvl="1"/>
             <a:r>
-              <a:rPr lang="zh-CN" altLang="en-US" smtClean="0"/>
+              <a:rPr lang="zh-CN" altLang="en-US"/>
               <a:t>第二级</a:t>
             </a:r>
-            <a:endParaRPr lang="zh-CN" altLang="en-US" smtClean="0"/>
           </a:p>
           <a:p>
             <a:pPr lvl="2"/>
             <a:r>
-              <a:rPr lang="zh-CN" altLang="en-US" smtClean="0"/>
+              <a:rPr lang="zh-CN" altLang="en-US"/>
               <a:t>第三级</a:t>
             </a:r>
-            <a:endParaRPr lang="zh-CN" altLang="en-US" smtClean="0"/>
           </a:p>
           <a:p>
             <a:pPr lvl="3"/>
             <a:r>
-              <a:rPr lang="zh-CN" altLang="en-US" smtClean="0"/>
+              <a:rPr lang="zh-CN" altLang="en-US"/>
               <a:t>第四级</a:t>
             </a:r>
-            <a:endParaRPr lang="zh-CN" altLang="en-US" smtClean="0"/>
           </a:p>
           <a:p>
             <a:pPr lvl="4"/>
             <a:r>
-              <a:rPr lang="zh-CN" altLang="en-US" smtClean="0"/>
+              <a:rPr lang="zh-CN" altLang="en-US"/>
               <a:t>第五级</a:t>
             </a:r>
-            <a:endParaRPr lang="zh-CN" altLang="en-US"/>
           </a:p>
         </p:txBody>
       </p:sp>
@@ -365,6 +377,7 @@
           <a:p>
             <a:fld id="{7A88F22F-F449-4453-81D0-F9B7771B5E46}" type="slidenum">
               <a:rPr lang="zh-CN" altLang="en-US" smtClean="0"/>
+              <a:t>‹#›</a:t>
             </a:fld>
             <a:endParaRPr lang="zh-CN" altLang="en-US"/>
           </a:p>
@@ -533,6 +546,7 @@
           <a:p>
             <a:fld id="{7A88F22F-F449-4453-81D0-F9B7771B5E46}" type="slidenum">
               <a:rPr lang="zh-CN" altLang="en-US" smtClean="0"/>
+              <a:t>1</a:t>
             </a:fld>
             <a:endParaRPr lang="zh-CN" altLang="en-US"/>
           </a:p>
@@ -611,6 +625,7 @@
           <a:p>
             <a:fld id="{7A88F22F-F449-4453-81D0-F9B7771B5E46}" type="slidenum">
               <a:rPr lang="zh-CN" altLang="en-US" smtClean="0"/>
+              <a:t>10</a:t>
             </a:fld>
             <a:endParaRPr lang="zh-CN" altLang="en-US"/>
           </a:p>
@@ -689,6 +704,7 @@
           <a:p>
             <a:fld id="{7A88F22F-F449-4453-81D0-F9B7771B5E46}" type="slidenum">
               <a:rPr lang="zh-CN" altLang="en-US" smtClean="0"/>
+              <a:t>11</a:t>
             </a:fld>
             <a:endParaRPr lang="zh-CN" altLang="en-US"/>
           </a:p>
@@ -767,6 +783,7 @@
           <a:p>
             <a:fld id="{7A88F22F-F449-4453-81D0-F9B7771B5E46}" type="slidenum">
               <a:rPr lang="zh-CN" altLang="en-US" smtClean="0"/>
+              <a:t>12</a:t>
             </a:fld>
             <a:endParaRPr lang="zh-CN" altLang="en-US"/>
           </a:p>
@@ -845,6 +862,7 @@
           <a:p>
             <a:fld id="{7A88F22F-F449-4453-81D0-F9B7771B5E46}" type="slidenum">
               <a:rPr lang="zh-CN" altLang="en-US" smtClean="0"/>
+              <a:t>2</a:t>
             </a:fld>
             <a:endParaRPr lang="zh-CN" altLang="en-US"/>
           </a:p>
@@ -923,6 +941,7 @@
           <a:p>
             <a:fld id="{7A88F22F-F449-4453-81D0-F9B7771B5E46}" type="slidenum">
               <a:rPr lang="zh-CN" altLang="en-US" smtClean="0"/>
+              <a:t>3</a:t>
             </a:fld>
             <a:endParaRPr lang="zh-CN" altLang="en-US"/>
           </a:p>
@@ -1001,6 +1020,7 @@
           <a:p>
             <a:fld id="{7A88F22F-F449-4453-81D0-F9B7771B5E46}" type="slidenum">
               <a:rPr lang="zh-CN" altLang="en-US" smtClean="0"/>
+              <a:t>4</a:t>
             </a:fld>
             <a:endParaRPr lang="zh-CN" altLang="en-US"/>
           </a:p>
@@ -1079,6 +1099,7 @@
           <a:p>
             <a:fld id="{7A88F22F-F449-4453-81D0-F9B7771B5E46}" type="slidenum">
               <a:rPr lang="zh-CN" altLang="en-US" smtClean="0"/>
+              <a:t>5</a:t>
             </a:fld>
             <a:endParaRPr lang="zh-CN" altLang="en-US"/>
           </a:p>
@@ -1157,6 +1178,7 @@
           <a:p>
             <a:fld id="{7A88F22F-F449-4453-81D0-F9B7771B5E46}" type="slidenum">
               <a:rPr lang="zh-CN" altLang="en-US" smtClean="0"/>
+              <a:t>6</a:t>
             </a:fld>
             <a:endParaRPr lang="zh-CN" altLang="en-US"/>
           </a:p>
@@ -1235,6 +1257,7 @@
           <a:p>
             <a:fld id="{7A88F22F-F449-4453-81D0-F9B7771B5E46}" type="slidenum">
               <a:rPr lang="zh-CN" altLang="en-US" smtClean="0"/>
+              <a:t>7</a:t>
             </a:fld>
             <a:endParaRPr lang="zh-CN" altLang="en-US"/>
           </a:p>
@@ -1313,6 +1336,7 @@
           <a:p>
             <a:fld id="{7A88F22F-F449-4453-81D0-F9B7771B5E46}" type="slidenum">
               <a:rPr lang="zh-CN" altLang="en-US" smtClean="0"/>
+              <a:t>8</a:t>
             </a:fld>
             <a:endParaRPr lang="zh-CN" altLang="en-US"/>
           </a:p>
@@ -1391,6 +1415,7 @@
           <a:p>
             <a:fld id="{7A88F22F-F449-4453-81D0-F9B7771B5E46}" type="slidenum">
               <a:rPr lang="zh-CN" altLang="en-US" smtClean="0"/>
+              <a:t>9</a:t>
             </a:fld>
             <a:endParaRPr lang="zh-CN" altLang="en-US"/>
           </a:p>
@@ -1438,6 +1463,7 @@
           <a:p>
             <a:fld id="{47496A82-8C58-4230-85E6-C1DB51D5629D}" type="datetimeFigureOut">
               <a:rPr lang="zh-CN" altLang="en-US" smtClean="0"/>
+              <a:t>2019/1/8</a:t>
             </a:fld>
             <a:endParaRPr lang="zh-CN" altLang="en-US"/>
           </a:p>
@@ -1479,6 +1505,7 @@
           <a:p>
             <a:fld id="{AF075C28-AD93-4B03-9A73-F263CFFF2BFC}" type="slidenum">
               <a:rPr lang="zh-CN" altLang="en-US" smtClean="0"/>
+              <a:t>‹#›</a:t>
             </a:fld>
             <a:endParaRPr lang="zh-CN" altLang="en-US"/>
           </a:p>
@@ -1489,21 +1516,14 @@
   <p:clrMapOvr>
     <a:masterClrMapping/>
   </p:clrMapOvr>
-  <mc:AlternateContent xmlns:mc="http://schemas.openxmlformats.org/markup-compatibility/2006">
-    <mc:Choice xmlns:p14="http://schemas.microsoft.com/office/powerpoint/2010/main" Requires="p14">
+  <mc:AlternateContent xmlns:mc="http://schemas.openxmlformats.org/markup-compatibility/2006" xmlns:p14="http://schemas.microsoft.com/office/powerpoint/2010/main">
+    <mc:Choice Requires="p14">
       <p:transition spd="slow" p14:dur="1600"/>
     </mc:Choice>
-    <mc:Fallback>
+    <mc:Fallback xmlns="">
       <p:transition spd="slow"/>
     </mc:Fallback>
   </mc:AlternateContent>
-  <p:timing>
-    <p:tnLst>
-      <p:par>
-        <p:cTn id="1" dur="indefinite" restart="never" nodeType="tmRoot"/>
-      </p:par>
-    </p:tnLst>
-  </p:timing>
 </p:sldLayout>
 </file>
 
@@ -1541,6 +1561,7 @@
           <a:p>
             <a:fld id="{47496A82-8C58-4230-85E6-C1DB51D5629D}" type="datetimeFigureOut">
               <a:rPr lang="zh-CN" altLang="en-US" smtClean="0"/>
+              <a:t>2019/1/8</a:t>
             </a:fld>
             <a:endParaRPr lang="zh-CN" altLang="en-US"/>
           </a:p>
@@ -1582,6 +1603,7 @@
           <a:p>
             <a:fld id="{AF075C28-AD93-4B03-9A73-F263CFFF2BFC}" type="slidenum">
               <a:rPr lang="zh-CN" altLang="en-US" smtClean="0"/>
+              <a:t>‹#›</a:t>
             </a:fld>
             <a:endParaRPr lang="zh-CN" altLang="en-US"/>
           </a:p>
@@ -1592,11 +1614,11 @@
   <p:clrMapOvr>
     <a:masterClrMapping/>
   </p:clrMapOvr>
-  <mc:AlternateContent xmlns:mc="http://schemas.openxmlformats.org/markup-compatibility/2006">
-    <mc:Choice xmlns:p14="http://schemas.microsoft.com/office/powerpoint/2010/main" Requires="p14">
+  <mc:AlternateContent xmlns:mc="http://schemas.openxmlformats.org/markup-compatibility/2006" xmlns:p14="http://schemas.microsoft.com/office/powerpoint/2010/main">
+    <mc:Choice Requires="p14">
       <p:transition spd="slow" p14:dur="1600"/>
     </mc:Choice>
-    <mc:Fallback>
+    <mc:Fallback xmlns="">
       <p:transition spd="slow"/>
     </mc:Fallback>
   </mc:AlternateContent>
@@ -1637,6 +1659,7 @@
           <a:p>
             <a:fld id="{47496A82-8C58-4230-85E6-C1DB51D5629D}" type="datetimeFigureOut">
               <a:rPr lang="zh-CN" altLang="en-US" smtClean="0"/>
+              <a:t>2019/1/8</a:t>
             </a:fld>
             <a:endParaRPr lang="zh-CN" altLang="en-US"/>
           </a:p>
@@ -1678,6 +1701,7 @@
           <a:p>
             <a:fld id="{AF075C28-AD93-4B03-9A73-F263CFFF2BFC}" type="slidenum">
               <a:rPr lang="zh-CN" altLang="en-US" smtClean="0"/>
+              <a:t>‹#›</a:t>
             </a:fld>
             <a:endParaRPr lang="zh-CN" altLang="en-US"/>
           </a:p>
@@ -1688,11 +1712,11 @@
   <p:clrMapOvr>
     <a:masterClrMapping/>
   </p:clrMapOvr>
-  <mc:AlternateContent xmlns:mc="http://schemas.openxmlformats.org/markup-compatibility/2006">
-    <mc:Choice xmlns:p14="http://schemas.microsoft.com/office/powerpoint/2010/main" Requires="p14">
+  <mc:AlternateContent xmlns:mc="http://schemas.openxmlformats.org/markup-compatibility/2006" xmlns:p14="http://schemas.microsoft.com/office/powerpoint/2010/main">
+    <mc:Choice Requires="p14">
       <p:transition spd="slow" p14:dur="1600"/>
     </mc:Choice>
-    <mc:Fallback>
+    <mc:Fallback xmlns="">
       <p:transition spd="slow"/>
     </mc:Fallback>
   </mc:AlternateContent>
@@ -1733,6 +1757,7 @@
           <a:p>
             <a:fld id="{47496A82-8C58-4230-85E6-C1DB51D5629D}" type="datetimeFigureOut">
               <a:rPr lang="zh-CN" altLang="en-US" smtClean="0"/>
+              <a:t>2019/1/8</a:t>
             </a:fld>
             <a:endParaRPr lang="zh-CN" altLang="en-US"/>
           </a:p>
@@ -1774,6 +1799,7 @@
           <a:p>
             <a:fld id="{AF075C28-AD93-4B03-9A73-F263CFFF2BFC}" type="slidenum">
               <a:rPr lang="zh-CN" altLang="en-US" smtClean="0"/>
+              <a:t>‹#›</a:t>
             </a:fld>
             <a:endParaRPr lang="zh-CN" altLang="en-US"/>
           </a:p>
@@ -1784,21 +1810,14 @@
   <p:clrMapOvr>
     <a:masterClrMapping/>
   </p:clrMapOvr>
-  <mc:AlternateContent xmlns:mc="http://schemas.openxmlformats.org/markup-compatibility/2006">
-    <mc:Choice xmlns:p14="http://schemas.microsoft.com/office/powerpoint/2010/main" Requires="p14">
+  <mc:AlternateContent xmlns:mc="http://schemas.openxmlformats.org/markup-compatibility/2006" xmlns:p14="http://schemas.microsoft.com/office/powerpoint/2010/main">
+    <mc:Choice Requires="p14">
       <p:transition spd="slow" p14:dur="1600"/>
     </mc:Choice>
-    <mc:Fallback>
+    <mc:Fallback xmlns="">
       <p:transition spd="slow"/>
     </mc:Fallback>
   </mc:AlternateContent>
-  <p:timing>
-    <p:tnLst>
-      <p:par>
-        <p:cTn id="1" dur="indefinite" restart="never" nodeType="tmRoot"/>
-      </p:par>
-    </p:tnLst>
-  </p:timing>
 </p:sldLayout>
 </file>
 
@@ -1836,6 +1855,7 @@
           <a:p>
             <a:fld id="{47496A82-8C58-4230-85E6-C1DB51D5629D}" type="datetimeFigureOut">
               <a:rPr lang="zh-CN" altLang="en-US" smtClean="0"/>
+              <a:t>2019/1/8</a:t>
             </a:fld>
             <a:endParaRPr lang="zh-CN" altLang="en-US"/>
           </a:p>
@@ -1877,6 +1897,7 @@
           <a:p>
             <a:fld id="{AF075C28-AD93-4B03-9A73-F263CFFF2BFC}" type="slidenum">
               <a:rPr lang="zh-CN" altLang="en-US" smtClean="0"/>
+              <a:t>‹#›</a:t>
             </a:fld>
             <a:endParaRPr lang="zh-CN" altLang="en-US"/>
           </a:p>
@@ -1887,11 +1908,11 @@
   <p:clrMapOvr>
     <a:masterClrMapping/>
   </p:clrMapOvr>
-  <mc:AlternateContent xmlns:mc="http://schemas.openxmlformats.org/markup-compatibility/2006">
-    <mc:Choice xmlns:p14="http://schemas.microsoft.com/office/powerpoint/2010/main" Requires="p14">
+  <mc:AlternateContent xmlns:mc="http://schemas.openxmlformats.org/markup-compatibility/2006" xmlns:p14="http://schemas.microsoft.com/office/powerpoint/2010/main">
+    <mc:Choice Requires="p14">
       <p:transition spd="slow" p14:dur="1600"/>
     </mc:Choice>
-    <mc:Fallback>
+    <mc:Fallback xmlns="">
       <p:transition spd="slow"/>
     </mc:Fallback>
   </mc:AlternateContent>
@@ -1932,6 +1953,7 @@
           <a:p>
             <a:fld id="{47496A82-8C58-4230-85E6-C1DB51D5629D}" type="datetimeFigureOut">
               <a:rPr lang="zh-CN" altLang="en-US" smtClean="0"/>
+              <a:t>2019/1/8</a:t>
             </a:fld>
             <a:endParaRPr lang="zh-CN" altLang="en-US"/>
           </a:p>
@@ -1973,6 +1995,7 @@
           <a:p>
             <a:fld id="{AF075C28-AD93-4B03-9A73-F263CFFF2BFC}" type="slidenum">
               <a:rPr lang="zh-CN" altLang="en-US" smtClean="0"/>
+              <a:t>‹#›</a:t>
             </a:fld>
             <a:endParaRPr lang="zh-CN" altLang="en-US"/>
           </a:p>
@@ -1983,11 +2006,11 @@
   <p:clrMapOvr>
     <a:masterClrMapping/>
   </p:clrMapOvr>
-  <mc:AlternateContent xmlns:mc="http://schemas.openxmlformats.org/markup-compatibility/2006">
-    <mc:Choice xmlns:p14="http://schemas.microsoft.com/office/powerpoint/2010/main" Requires="p14">
+  <mc:AlternateContent xmlns:mc="http://schemas.openxmlformats.org/markup-compatibility/2006" xmlns:p14="http://schemas.microsoft.com/office/powerpoint/2010/main">
+    <mc:Choice Requires="p14">
       <p:transition spd="slow" p14:dur="1600"/>
     </mc:Choice>
-    <mc:Fallback>
+    <mc:Fallback xmlns="">
       <p:transition spd="slow"/>
     </mc:Fallback>
   </mc:AlternateContent>
@@ -2028,6 +2051,7 @@
           <a:p>
             <a:fld id="{47496A82-8C58-4230-85E6-C1DB51D5629D}" type="datetimeFigureOut">
               <a:rPr lang="zh-CN" altLang="en-US" smtClean="0"/>
+              <a:t>2019/1/8</a:t>
             </a:fld>
             <a:endParaRPr lang="zh-CN" altLang="en-US"/>
           </a:p>
@@ -2069,6 +2093,7 @@
           <a:p>
             <a:fld id="{AF075C28-AD93-4B03-9A73-F263CFFF2BFC}" type="slidenum">
               <a:rPr lang="zh-CN" altLang="en-US" smtClean="0"/>
+              <a:t>‹#›</a:t>
             </a:fld>
             <a:endParaRPr lang="zh-CN" altLang="en-US"/>
           </a:p>
@@ -2079,11 +2104,11 @@
   <p:clrMapOvr>
     <a:masterClrMapping/>
   </p:clrMapOvr>
-  <mc:AlternateContent xmlns:mc="http://schemas.openxmlformats.org/markup-compatibility/2006">
-    <mc:Choice xmlns:p14="http://schemas.microsoft.com/office/powerpoint/2010/main" Requires="p14">
+  <mc:AlternateContent xmlns:mc="http://schemas.openxmlformats.org/markup-compatibility/2006" xmlns:p14="http://schemas.microsoft.com/office/powerpoint/2010/main">
+    <mc:Choice Requires="p14">
       <p:transition spd="slow" p14:dur="1600"/>
     </mc:Choice>
-    <mc:Fallback>
+    <mc:Fallback xmlns="">
       <p:transition spd="slow"/>
     </mc:Fallback>
   </mc:AlternateContent>
@@ -2124,6 +2149,7 @@
           <a:p>
             <a:fld id="{47496A82-8C58-4230-85E6-C1DB51D5629D}" type="datetimeFigureOut">
               <a:rPr lang="zh-CN" altLang="en-US" smtClean="0"/>
+              <a:t>2019/1/8</a:t>
             </a:fld>
             <a:endParaRPr lang="zh-CN" altLang="en-US"/>
           </a:p>
@@ -2165,6 +2191,7 @@
           <a:p>
             <a:fld id="{AF075C28-AD93-4B03-9A73-F263CFFF2BFC}" type="slidenum">
               <a:rPr lang="zh-CN" altLang="en-US" smtClean="0"/>
+              <a:t>‹#›</a:t>
             </a:fld>
             <a:endParaRPr lang="zh-CN" altLang="en-US"/>
           </a:p>
@@ -2175,11 +2202,11 @@
   <p:clrMapOvr>
     <a:masterClrMapping/>
   </p:clrMapOvr>
-  <mc:AlternateContent xmlns:mc="http://schemas.openxmlformats.org/markup-compatibility/2006">
-    <mc:Choice xmlns:p14="http://schemas.microsoft.com/office/powerpoint/2010/main" Requires="p14">
+  <mc:AlternateContent xmlns:mc="http://schemas.openxmlformats.org/markup-compatibility/2006" xmlns:p14="http://schemas.microsoft.com/office/powerpoint/2010/main">
+    <mc:Choice Requires="p14">
       <p:transition spd="slow" p14:dur="1600"/>
     </mc:Choice>
-    <mc:Fallback>
+    <mc:Fallback xmlns="">
       <p:transition spd="slow"/>
     </mc:Fallback>
   </mc:AlternateContent>
@@ -2220,6 +2247,7 @@
           <a:p>
             <a:fld id="{47496A82-8C58-4230-85E6-C1DB51D5629D}" type="datetimeFigureOut">
               <a:rPr lang="zh-CN" altLang="en-US" smtClean="0"/>
+              <a:t>2019/1/8</a:t>
             </a:fld>
             <a:endParaRPr lang="zh-CN" altLang="en-US"/>
           </a:p>
@@ -2261,6 +2289,7 @@
           <a:p>
             <a:fld id="{AF075C28-AD93-4B03-9A73-F263CFFF2BFC}" type="slidenum">
               <a:rPr lang="zh-CN" altLang="en-US" smtClean="0"/>
+              <a:t>‹#›</a:t>
             </a:fld>
             <a:endParaRPr lang="zh-CN" altLang="en-US"/>
           </a:p>
@@ -2271,11 +2300,11 @@
   <p:clrMapOvr>
     <a:masterClrMapping/>
   </p:clrMapOvr>
-  <mc:AlternateContent xmlns:mc="http://schemas.openxmlformats.org/markup-compatibility/2006">
-    <mc:Choice xmlns:p14="http://schemas.microsoft.com/office/powerpoint/2010/main" Requires="p14">
+  <mc:AlternateContent xmlns:mc="http://schemas.openxmlformats.org/markup-compatibility/2006" xmlns:p14="http://schemas.microsoft.com/office/powerpoint/2010/main">
+    <mc:Choice Requires="p14">
       <p:transition spd="slow" p14:dur="1600"/>
     </mc:Choice>
-    <mc:Fallback>
+    <mc:Fallback xmlns="">
       <p:transition spd="slow"/>
     </mc:Fallback>
   </mc:AlternateContent>
@@ -2316,6 +2345,7 @@
           <a:p>
             <a:fld id="{47496A82-8C58-4230-85E6-C1DB51D5629D}" type="datetimeFigureOut">
               <a:rPr lang="zh-CN" altLang="en-US" smtClean="0"/>
+              <a:t>2019/1/8</a:t>
             </a:fld>
             <a:endParaRPr lang="zh-CN" altLang="en-US"/>
           </a:p>
@@ -2357,6 +2387,7 @@
           <a:p>
             <a:fld id="{AF075C28-AD93-4B03-9A73-F263CFFF2BFC}" type="slidenum">
               <a:rPr lang="zh-CN" altLang="en-US" smtClean="0"/>
+              <a:t>‹#›</a:t>
             </a:fld>
             <a:endParaRPr lang="zh-CN" altLang="en-US"/>
           </a:p>
@@ -2367,11 +2398,11 @@
   <p:clrMapOvr>
     <a:masterClrMapping/>
   </p:clrMapOvr>
-  <mc:AlternateContent xmlns:mc="http://schemas.openxmlformats.org/markup-compatibility/2006">
-    <mc:Choice xmlns:p14="http://schemas.microsoft.com/office/powerpoint/2010/main" Requires="p14">
+  <mc:AlternateContent xmlns:mc="http://schemas.openxmlformats.org/markup-compatibility/2006" xmlns:p14="http://schemas.microsoft.com/office/powerpoint/2010/main">
+    <mc:Choice Requires="p14">
       <p:transition spd="slow" p14:dur="1600"/>
     </mc:Choice>
-    <mc:Fallback>
+    <mc:Fallback xmlns="">
       <p:transition spd="slow"/>
     </mc:Fallback>
   </mc:AlternateContent>
@@ -2412,6 +2443,7 @@
           <a:p>
             <a:fld id="{47496A82-8C58-4230-85E6-C1DB51D5629D}" type="datetimeFigureOut">
               <a:rPr lang="zh-CN" altLang="en-US" smtClean="0"/>
+              <a:t>2019/1/8</a:t>
             </a:fld>
             <a:endParaRPr lang="zh-CN" altLang="en-US"/>
           </a:p>
@@ -2453,6 +2485,7 @@
           <a:p>
             <a:fld id="{AF075C28-AD93-4B03-9A73-F263CFFF2BFC}" type="slidenum">
               <a:rPr lang="zh-CN" altLang="en-US" smtClean="0"/>
+              <a:t>‹#›</a:t>
             </a:fld>
             <a:endParaRPr lang="zh-CN" altLang="en-US"/>
           </a:p>
@@ -2463,11 +2496,11 @@
   <p:clrMapOvr>
     <a:masterClrMapping/>
   </p:clrMapOvr>
-  <mc:AlternateContent xmlns:mc="http://schemas.openxmlformats.org/markup-compatibility/2006">
-    <mc:Choice xmlns:p14="http://schemas.microsoft.com/office/powerpoint/2010/main" Requires="p14">
+  <mc:AlternateContent xmlns:mc="http://schemas.openxmlformats.org/markup-compatibility/2006" xmlns:p14="http://schemas.microsoft.com/office/powerpoint/2010/main">
+    <mc:Choice Requires="p14">
       <p:transition spd="slow" p14:dur="1600"/>
     </mc:Choice>
-    <mc:Fallback>
+    <mc:Fallback xmlns="">
       <p:transition spd="slow"/>
     </mc:Fallback>
   </mc:AlternateContent>
@@ -2531,6 +2564,7 @@
           <a:p>
             <a:fld id="{47496A82-8C58-4230-85E6-C1DB51D5629D}" type="datetimeFigureOut">
               <a:rPr lang="zh-CN" altLang="en-US" smtClean="0"/>
+              <a:t>2019/1/8</a:t>
             </a:fld>
             <a:endParaRPr lang="zh-CN" altLang="en-US"/>
           </a:p>
@@ -2608,6 +2642,7 @@
           <a:p>
             <a:fld id="{AF075C28-AD93-4B03-9A73-F263CFFF2BFC}" type="slidenum">
               <a:rPr lang="zh-CN" altLang="en-US" smtClean="0"/>
+              <a:t>‹#›</a:t>
             </a:fld>
             <a:endParaRPr lang="zh-CN" altLang="en-US"/>
           </a:p>
@@ -2629,21 +2664,14 @@
     <p:sldLayoutId id="2147483658" r:id="rId10"/>
     <p:sldLayoutId id="2147483659" r:id="rId11"/>
   </p:sldLayoutIdLst>
-  <mc:AlternateContent xmlns:mc="http://schemas.openxmlformats.org/markup-compatibility/2006">
-    <mc:Choice xmlns:p14="http://schemas.microsoft.com/office/powerpoint/2010/main" Requires="p14">
+  <mc:AlternateContent xmlns:mc="http://schemas.openxmlformats.org/markup-compatibility/2006" xmlns:p14="http://schemas.microsoft.com/office/powerpoint/2010/main">
+    <mc:Choice Requires="p14">
       <p:transition spd="slow" p14:dur="1600"/>
     </mc:Choice>
-    <mc:Fallback>
+    <mc:Fallback xmlns="">
       <p:transition spd="slow"/>
     </mc:Fallback>
   </mc:AlternateContent>
-  <p:timing>
-    <p:tnLst>
-      <p:par>
-        <p:cTn id="1" dur="indefinite" restart="never" nodeType="tmRoot"/>
-      </p:par>
-    </p:tnLst>
-  </p:timing>
   <p:txStyles>
     <p:titleStyle>
       <a:lvl1pPr algn="ctr" defTabSz="914400" rtl="0" eaLnBrk="1" latinLnBrk="0" hangingPunct="1">
@@ -2938,7 +2966,7 @@
           <a:p>
             <a:pPr algn="dist"/>
             <a:r>
-              <a:rPr lang="en-US" altLang="zh-CN" sz="3600" b="1" dirty="0" smtClean="0">
+              <a:rPr lang="en-US" altLang="zh-CN" sz="3600" b="1" dirty="0">
                 <a:solidFill>
                   <a:schemeClr val="tx2">
                     <a:lumMod val="75000"/>
@@ -2949,15 +2977,6 @@
               </a:rPr>
               <a:t>Visual Punk</a:t>
             </a:r>
-            <a:endParaRPr lang="en-US" altLang="zh-CN" sz="3600" b="1" dirty="0" smtClean="0">
-              <a:solidFill>
-                <a:schemeClr val="tx2">
-                  <a:lumMod val="75000"/>
-                </a:schemeClr>
-              </a:solidFill>
-              <a:latin typeface="微软雅黑" panose="020B0503020204020204" pitchFamily="34" charset="-122"/>
-              <a:ea typeface="微软雅黑" panose="020B0503020204020204" pitchFamily="34" charset="-122"/>
-            </a:endParaRPr>
           </a:p>
         </p:txBody>
       </p:sp>
@@ -3060,7 +3079,7 @@
           <a:p>
             <a:pPr algn="r"/>
             <a:r>
-              <a:rPr lang="en-US" altLang="zh-CN" sz="1200" dirty="0" smtClean="0">
+              <a:rPr lang="en-US" altLang="zh-CN" sz="1200" dirty="0">
                 <a:solidFill>
                   <a:schemeClr val="tx1">
                     <a:lumMod val="85000"/>
@@ -3071,15 +3090,6 @@
               </a:rPr>
               <a:t>郭智溢 万柯蓝 王枫 杨凯</a:t>
             </a:r>
-            <a:endParaRPr lang="en-US" altLang="zh-CN" sz="1200" dirty="0" smtClean="0">
-              <a:solidFill>
-                <a:schemeClr val="tx1">
-                  <a:lumMod val="85000"/>
-                  <a:lumOff val="15000"/>
-                </a:schemeClr>
-              </a:solidFill>
-              <a:latin typeface="Bernard MT Condensed" panose="02050806060905020404" pitchFamily="18" charset="0"/>
-            </a:endParaRPr>
           </a:p>
         </p:txBody>
       </p:sp>
@@ -4341,10 +4351,11 @@
           <a:bodyPr wrap="square" rtlCol="0">
             <a:spAutoFit/>
           </a:bodyPr>
+          <a:lstStyle/>
           <a:p>
             <a:pPr algn="dist"/>
             <a:r>
-              <a:rPr lang="en-US" altLang="zh-CN" sz="1400" b="1" dirty="0" smtClean="0">
+              <a:rPr lang="en-US" altLang="zh-CN" sz="1400" b="1" dirty="0">
                 <a:solidFill>
                   <a:schemeClr val="tx2">
                     <a:lumMod val="75000"/>
@@ -4355,15 +4366,6 @@
               </a:rPr>
               <a:t>2019.1.6</a:t>
             </a:r>
-            <a:endParaRPr lang="en-US" altLang="zh-CN" sz="1400" b="1" dirty="0" smtClean="0">
-              <a:solidFill>
-                <a:schemeClr val="tx2">
-                  <a:lumMod val="75000"/>
-                </a:schemeClr>
-              </a:solidFill>
-              <a:latin typeface="微软雅黑" panose="020B0503020204020204" pitchFamily="34" charset="-122"/>
-              <a:ea typeface="微软雅黑" panose="020B0503020204020204" pitchFamily="34" charset="-122"/>
-            </a:endParaRPr>
           </a:p>
         </p:txBody>
       </p:sp>
@@ -6887,16 +6889,6 @@
               </a:rPr>
               <a:t>数据选取</a:t>
             </a:r>
-            <a:endParaRPr lang="zh-CN" altLang="en-US" sz="1800" b="1" dirty="0">
-              <a:solidFill>
-                <a:schemeClr val="tx1">
-                  <a:lumMod val="75000"/>
-                  <a:lumOff val="25000"/>
-                </a:schemeClr>
-              </a:solidFill>
-              <a:latin typeface="微软雅黑" panose="020B0503020204020204" pitchFamily="34" charset="-122"/>
-              <a:ea typeface="微软雅黑" panose="020B0503020204020204" pitchFamily="34" charset="-122"/>
-            </a:endParaRPr>
           </a:p>
         </p:txBody>
       </p:sp>
@@ -6922,7 +6914,7 @@
           <a:lstStyle/>
           <a:p>
             <a:r>
-              <a:rPr lang="en-US" altLang="zh-CN" sz="1600" dirty="0" smtClean="0">
+              <a:rPr lang="en-US" altLang="zh-CN" sz="1600" dirty="0">
                 <a:solidFill>
                   <a:schemeClr val="tx1">
                     <a:lumMod val="50000"/>
@@ -6933,15 +6925,6 @@
               </a:rPr>
               <a:t>Visual Punk</a:t>
             </a:r>
-            <a:endParaRPr lang="en-US" altLang="zh-CN" sz="1600" dirty="0" smtClean="0">
-              <a:solidFill>
-                <a:schemeClr val="tx1">
-                  <a:lumMod val="50000"/>
-                  <a:lumOff val="50000"/>
-                </a:schemeClr>
-              </a:solidFill>
-              <a:latin typeface="Impact" panose="020B0806030902050204" pitchFamily="34" charset="0"/>
-            </a:endParaRPr>
           </a:p>
         </p:txBody>
       </p:sp>
@@ -7298,7 +7281,7 @@
           <p:nvPr/>
         </p:nvPicPr>
         <p:blipFill>
-          <a:blip r:embed="rId1"/>
+          <a:blip r:embed="rId3"/>
           <a:stretch>
             <a:fillRect/>
           </a:stretch>
@@ -7318,21 +7301,14 @@
   <p:clrMapOvr>
     <a:masterClrMapping/>
   </p:clrMapOvr>
-  <mc:AlternateContent xmlns:mc="http://schemas.openxmlformats.org/markup-compatibility/2006">
-    <mc:Choice xmlns:p14="http://schemas.microsoft.com/office/powerpoint/2010/main" Requires="p14">
+  <mc:AlternateContent xmlns:mc="http://schemas.openxmlformats.org/markup-compatibility/2006" xmlns:p14="http://schemas.microsoft.com/office/powerpoint/2010/main">
+    <mc:Choice Requires="p14">
       <p:transition spd="slow" p14:dur="1600"/>
     </mc:Choice>
-    <mc:Fallback>
+    <mc:Fallback xmlns="">
       <p:transition spd="slow"/>
     </mc:Fallback>
   </mc:AlternateContent>
-  <p:timing>
-    <p:tnLst>
-      <p:par>
-        <p:cTn id="1" dur="indefinite" restart="never" nodeType="tmRoot"/>
-      </p:par>
-    </p:tnLst>
-  </p:timing>
 </p:sld>
 </file>
 
@@ -7432,17 +7408,6 @@
               </a:rPr>
               <a:t>+ 濒危动物交易量有所下降</a:t>
             </a:r>
-            <a:endParaRPr sz="1600" dirty="0">
-              <a:solidFill>
-                <a:schemeClr val="tx1">
-                  <a:lumMod val="65000"/>
-                  <a:lumOff val="35000"/>
-                </a:schemeClr>
-              </a:solidFill>
-              <a:latin typeface="微软雅黑" panose="020B0503020204020204" pitchFamily="34" charset="-122"/>
-              <a:ea typeface="微软雅黑" panose="020B0503020204020204" pitchFamily="34" charset="-122"/>
-              <a:cs typeface="Leelawadee" panose="020B0502040204020203" pitchFamily="34" charset="-34"/>
-            </a:endParaRPr>
           </a:p>
           <a:p>
             <a:pPr>
@@ -7464,17 +7429,6 @@
               </a:rPr>
               <a:t> + 商业用途与个人用途始终占据主流 ,商业性狩猎与科研比重有所增加</a:t>
             </a:r>
-            <a:endParaRPr sz="1600" dirty="0">
-              <a:solidFill>
-                <a:schemeClr val="tx1">
-                  <a:lumMod val="65000"/>
-                  <a:lumOff val="35000"/>
-                </a:schemeClr>
-              </a:solidFill>
-              <a:latin typeface="微软雅黑" panose="020B0503020204020204" pitchFamily="34" charset="-122"/>
-              <a:ea typeface="微软雅黑" panose="020B0503020204020204" pitchFamily="34" charset="-122"/>
-              <a:cs typeface="Leelawadee" panose="020B0502040204020203" pitchFamily="34" charset="-34"/>
-            </a:endParaRPr>
           </a:p>
           <a:p>
             <a:pPr>
@@ -7496,17 +7450,6 @@
               </a:rPr>
               <a:t> + 进口国家大多为欧美发达国家或者人口大国，中国印度排名上升较快</a:t>
             </a:r>
-            <a:endParaRPr sz="1600" dirty="0">
-              <a:solidFill>
-                <a:schemeClr val="tx1">
-                  <a:lumMod val="65000"/>
-                  <a:lumOff val="35000"/>
-                </a:schemeClr>
-              </a:solidFill>
-              <a:latin typeface="微软雅黑" panose="020B0503020204020204" pitchFamily="34" charset="-122"/>
-              <a:ea typeface="微软雅黑" panose="020B0503020204020204" pitchFamily="34" charset="-122"/>
-              <a:cs typeface="Leelawadee" panose="020B0502040204020203" pitchFamily="34" charset="-34"/>
-            </a:endParaRPr>
           </a:p>
         </p:txBody>
       </p:sp>
@@ -7664,7 +7607,7 @@
           <a:p>
             <a:pPr algn="l" eaLnBrk="1" hangingPunct="1"/>
             <a:r>
-              <a:rPr sz="1800" b="1" dirty="0">
+              <a:rPr sz="1800" b="1" dirty="0" err="1">
                 <a:solidFill>
                   <a:schemeClr val="tx1">
                     <a:lumMod val="65000"/>
@@ -7677,6 +7620,21 @@
                 <a:sym typeface="+mn-ea"/>
               </a:rPr>
               <a:t>最终的结果</a:t>
+            </a:r>
+            <a:r>
+              <a:rPr lang="zh-CN" altLang="en-US" sz="1800" b="1">
+                <a:solidFill>
+                  <a:schemeClr val="tx1">
+                    <a:lumMod val="65000"/>
+                    <a:lumOff val="35000"/>
+                  </a:schemeClr>
+                </a:solidFill>
+                <a:latin typeface="微软雅黑" panose="020B0503020204020204" pitchFamily="34" charset="-122"/>
+                <a:ea typeface="微软雅黑" panose="020B0503020204020204" pitchFamily="34" charset="-122"/>
+                <a:cs typeface="Leelawadee" panose="020B0502040204020203" pitchFamily="34" charset="-34"/>
+                <a:sym typeface="+mn-ea"/>
+              </a:rPr>
+              <a:t>（节选）</a:t>
             </a:r>
             <a:endParaRPr lang="zh-CN" altLang="en-US" sz="1800" b="1" dirty="0">
               <a:solidFill>
@@ -7713,7 +7671,7 @@
           <a:lstStyle/>
           <a:p>
             <a:r>
-              <a:rPr lang="en-US" altLang="zh-CN" sz="1600" dirty="0" smtClean="0">
+              <a:rPr lang="en-US" altLang="zh-CN" sz="1600" dirty="0">
                 <a:solidFill>
                   <a:schemeClr val="tx1">
                     <a:lumMod val="50000"/>
@@ -7724,15 +7682,6 @@
               </a:rPr>
               <a:t>Visual Punk</a:t>
             </a:r>
-            <a:endParaRPr lang="en-US" altLang="zh-CN" sz="1600" dirty="0" smtClean="0">
-              <a:solidFill>
-                <a:schemeClr val="tx1">
-                  <a:lumMod val="50000"/>
-                  <a:lumOff val="50000"/>
-                </a:schemeClr>
-              </a:solidFill>
-              <a:latin typeface="Impact" panose="020B0806030902050204" pitchFamily="34" charset="0"/>
-            </a:endParaRPr>
           </a:p>
         </p:txBody>
       </p:sp>
@@ -8085,21 +8034,14 @@
   <p:clrMapOvr>
     <a:masterClrMapping/>
   </p:clrMapOvr>
-  <mc:AlternateContent xmlns:mc="http://schemas.openxmlformats.org/markup-compatibility/2006">
-    <mc:Choice xmlns:p14="http://schemas.microsoft.com/office/powerpoint/2010/main" Requires="p14">
+  <mc:AlternateContent xmlns:mc="http://schemas.openxmlformats.org/markup-compatibility/2006" xmlns:p14="http://schemas.microsoft.com/office/powerpoint/2010/main">
+    <mc:Choice Requires="p14">
       <p:transition spd="slow" p14:dur="1600"/>
     </mc:Choice>
-    <mc:Fallback>
+    <mc:Fallback xmlns="">
       <p:transition spd="slow"/>
     </mc:Fallback>
   </mc:AlternateContent>
-  <p:timing>
-    <p:tnLst>
-      <p:par>
-        <p:cTn id="1" dur="indefinite" restart="never" nodeType="tmRoot"/>
-      </p:par>
-    </p:tnLst>
-  </p:timing>
 </p:sld>
 </file>
 
@@ -8109,7 +8051,7 @@
     <p:bg>
       <p:bgPr>
         <a:blipFill dpi="0" rotWithShape="1">
-          <a:blip r:embed="rId1">
+          <a:blip r:embed="rId3">
             <a:lum/>
           </a:blip>
           <a:srcRect/>
@@ -8158,7 +8100,7 @@
           <a:p>
             <a:pPr algn="ctr"/>
             <a:r>
-              <a:rPr lang="en-US" altLang="zh-CN" sz="4400" spc="500" dirty="0" smtClean="0">
+              <a:rPr lang="en-US" altLang="zh-CN" sz="4400" spc="500" dirty="0">
                 <a:solidFill>
                   <a:schemeClr val="bg1"/>
                 </a:solidFill>
@@ -8167,7 +8109,7 @@
               </a:rPr>
               <a:t>THANKS</a:t>
             </a:r>
-            <a:endParaRPr lang="zh-CN" altLang="en-US" sz="4400" spc="500" dirty="0" smtClean="0">
+            <a:endParaRPr lang="zh-CN" altLang="en-US" sz="4400" spc="500" dirty="0">
               <a:solidFill>
                 <a:schemeClr val="bg1"/>
               </a:solidFill>
@@ -8272,7 +8214,7 @@
           <a:lstStyle/>
           <a:p>
             <a:r>
-              <a:rPr lang="zh-CN" altLang="en-US" sz="1100" dirty="0" smtClean="0">
+              <a:rPr lang="zh-CN" altLang="en-US" sz="1100" dirty="0">
                 <a:solidFill>
                   <a:schemeClr val="bg1"/>
                 </a:solidFill>
@@ -8281,13 +8223,6 @@
               </a:rPr>
               <a:t>感谢大家观看</a:t>
             </a:r>
-            <a:endParaRPr lang="zh-CN" altLang="en-US" sz="1100" dirty="0">
-              <a:solidFill>
-                <a:schemeClr val="bg1"/>
-              </a:solidFill>
-              <a:latin typeface="微软雅黑" panose="020B0503020204020204" pitchFamily="34" charset="-122"/>
-              <a:ea typeface="微软雅黑" panose="020B0503020204020204" pitchFamily="34" charset="-122"/>
-            </a:endParaRPr>
           </a:p>
         </p:txBody>
       </p:sp>
@@ -8314,7 +8249,7 @@
           <a:p>
             <a:pPr algn="dist"/>
             <a:r>
-              <a:rPr lang="en-US" altLang="zh-CN" sz="1000" dirty="0" smtClean="0">
+              <a:rPr lang="en-US" altLang="zh-CN" sz="1000" dirty="0">
                 <a:solidFill>
                   <a:schemeClr val="bg1"/>
                 </a:solidFill>
@@ -8564,17 +8499,6 @@
               </a:rPr>
               <a:t>unk</a:t>
             </a:r>
-            <a:endParaRPr lang="zh-CN" altLang="en-US" sz="1600" dirty="0">
-              <a:solidFill>
-                <a:schemeClr val="tx1">
-                  <a:lumMod val="65000"/>
-                  <a:lumOff val="35000"/>
-                </a:schemeClr>
-              </a:solidFill>
-              <a:latin typeface="微软雅黑" panose="020B0503020204020204" pitchFamily="34" charset="-122"/>
-              <a:ea typeface="微软雅黑" panose="020B0503020204020204" pitchFamily="34" charset="-122"/>
-              <a:cs typeface="Leelawadee" panose="020B0502040204020203" pitchFamily="34" charset="-34"/>
-            </a:endParaRPr>
           </a:p>
           <a:p>
             <a:pPr>
@@ -8614,17 +8538,6 @@
               </a:rPr>
               <a:t>组员分工：郭智溢  数据清洗、服务端后台实现</a:t>
             </a:r>
-            <a:endParaRPr lang="zh-CN" altLang="en-US" sz="1600" dirty="0">
-              <a:solidFill>
-                <a:schemeClr val="tx1">
-                  <a:lumMod val="65000"/>
-                  <a:lumOff val="35000"/>
-                </a:schemeClr>
-              </a:solidFill>
-              <a:latin typeface="微软雅黑" panose="020B0503020204020204" pitchFamily="34" charset="-122"/>
-              <a:ea typeface="微软雅黑" panose="020B0503020204020204" pitchFamily="34" charset="-122"/>
-              <a:cs typeface="Leelawadee" panose="020B0502040204020203" pitchFamily="34" charset="-34"/>
-            </a:endParaRPr>
           </a:p>
           <a:p>
             <a:pPr>
@@ -8646,17 +8559,6 @@
               </a:rPr>
               <a:t>                 万柯蓝  界面设计、前端实现、数据项选取、数据收集</a:t>
             </a:r>
-            <a:endParaRPr lang="zh-CN" altLang="en-US" sz="1600" dirty="0">
-              <a:solidFill>
-                <a:schemeClr val="tx1">
-                  <a:lumMod val="65000"/>
-                  <a:lumOff val="35000"/>
-                </a:schemeClr>
-              </a:solidFill>
-              <a:latin typeface="微软雅黑" panose="020B0503020204020204" pitchFamily="34" charset="-122"/>
-              <a:ea typeface="微软雅黑" panose="020B0503020204020204" pitchFamily="34" charset="-122"/>
-              <a:cs typeface="Leelawadee" panose="020B0502040204020203" pitchFamily="34" charset="-34"/>
-            </a:endParaRPr>
           </a:p>
           <a:p>
             <a:pPr>
@@ -8678,17 +8580,6 @@
               </a:rPr>
               <a:t>                 王枫     界面设计、数据对照表制作</a:t>
             </a:r>
-            <a:endParaRPr lang="zh-CN" altLang="en-US" sz="1600" dirty="0">
-              <a:solidFill>
-                <a:schemeClr val="tx1">
-                  <a:lumMod val="65000"/>
-                  <a:lumOff val="35000"/>
-                </a:schemeClr>
-              </a:solidFill>
-              <a:latin typeface="微软雅黑" panose="020B0503020204020204" pitchFamily="34" charset="-122"/>
-              <a:ea typeface="微软雅黑" panose="020B0503020204020204" pitchFamily="34" charset="-122"/>
-              <a:cs typeface="Leelawadee" panose="020B0502040204020203" pitchFamily="34" charset="-34"/>
-            </a:endParaRPr>
           </a:p>
           <a:p>
             <a:pPr>
@@ -8710,17 +8601,6 @@
               </a:rPr>
               <a:t>                 杨凯     前端技术实验、文档、PPT制作</a:t>
             </a:r>
-            <a:endParaRPr lang="zh-CN" altLang="en-US" sz="1600" dirty="0">
-              <a:solidFill>
-                <a:schemeClr val="tx1">
-                  <a:lumMod val="65000"/>
-                  <a:lumOff val="35000"/>
-                </a:schemeClr>
-              </a:solidFill>
-              <a:latin typeface="微软雅黑" panose="020B0503020204020204" pitchFamily="34" charset="-122"/>
-              <a:ea typeface="微软雅黑" panose="020B0503020204020204" pitchFamily="34" charset="-122"/>
-              <a:cs typeface="Leelawadee" panose="020B0502040204020203" pitchFamily="34" charset="-34"/>
-            </a:endParaRPr>
           </a:p>
         </p:txBody>
       </p:sp>
@@ -8890,16 +8770,6 @@
               </a:rPr>
               <a:t>小组介绍</a:t>
             </a:r>
-            <a:endParaRPr lang="zh-CN" altLang="en-US" sz="1800" b="1" dirty="0">
-              <a:solidFill>
-                <a:schemeClr val="tx1">
-                  <a:lumMod val="75000"/>
-                  <a:lumOff val="25000"/>
-                </a:schemeClr>
-              </a:solidFill>
-              <a:latin typeface="微软雅黑" panose="020B0503020204020204" pitchFamily="34" charset="-122"/>
-              <a:ea typeface="微软雅黑" panose="020B0503020204020204" pitchFamily="34" charset="-122"/>
-            </a:endParaRPr>
           </a:p>
         </p:txBody>
       </p:sp>
@@ -8925,7 +8795,7 @@
           <a:lstStyle/>
           <a:p>
             <a:r>
-              <a:rPr lang="en-US" altLang="zh-CN" sz="1600" dirty="0" smtClean="0">
+              <a:rPr lang="en-US" altLang="zh-CN" sz="1600" dirty="0">
                 <a:solidFill>
                   <a:schemeClr val="tx1">
                     <a:lumMod val="50000"/>
@@ -8936,15 +8806,6 @@
               </a:rPr>
               <a:t>Visual Punk</a:t>
             </a:r>
-            <a:endParaRPr lang="en-US" altLang="zh-CN" sz="1600" dirty="0" smtClean="0">
-              <a:solidFill>
-                <a:schemeClr val="tx1">
-                  <a:lumMod val="50000"/>
-                  <a:lumOff val="50000"/>
-                </a:schemeClr>
-              </a:solidFill>
-              <a:latin typeface="Impact" panose="020B0806030902050204" pitchFamily="34" charset="0"/>
-            </a:endParaRPr>
           </a:p>
         </p:txBody>
       </p:sp>
@@ -9297,21 +9158,14 @@
   <p:clrMapOvr>
     <a:masterClrMapping/>
   </p:clrMapOvr>
-  <mc:AlternateContent xmlns:mc="http://schemas.openxmlformats.org/markup-compatibility/2006">
-    <mc:Choice xmlns:p14="http://schemas.microsoft.com/office/powerpoint/2010/main" Requires="p14">
+  <mc:AlternateContent xmlns:mc="http://schemas.openxmlformats.org/markup-compatibility/2006" xmlns:p14="http://schemas.microsoft.com/office/powerpoint/2010/main">
+    <mc:Choice Requires="p14">
       <p:transition spd="slow" p14:dur="1600"/>
     </mc:Choice>
-    <mc:Fallback>
+    <mc:Fallback xmlns="">
       <p:transition spd="slow"/>
     </mc:Fallback>
   </mc:AlternateContent>
-  <p:timing>
-    <p:tnLst>
-      <p:par>
-        <p:cTn id="1" dur="indefinite" restart="never" nodeType="tmRoot"/>
-      </p:par>
-    </p:tnLst>
-  </p:timing>
 </p:sld>
 </file>
 
@@ -9397,17 +9251,6 @@
               </a:rPr>
               <a:t>通过国际濒危物种贸易公约cites濒危动物进出口数据来分析濒危动物进出口流向、以及交易的数量变化，以及用途的变化</a:t>
             </a:r>
-            <a:endParaRPr sz="1600" dirty="0">
-              <a:solidFill>
-                <a:schemeClr val="tx1">
-                  <a:lumMod val="65000"/>
-                  <a:lumOff val="35000"/>
-                </a:schemeClr>
-              </a:solidFill>
-              <a:latin typeface="微软雅黑" panose="020B0503020204020204" pitchFamily="34" charset="-122"/>
-              <a:ea typeface="微软雅黑" panose="020B0503020204020204" pitchFamily="34" charset="-122"/>
-              <a:cs typeface="Leelawadee" panose="020B0502040204020203" pitchFamily="34" charset="-34"/>
-            </a:endParaRPr>
           </a:p>
         </p:txBody>
       </p:sp>
@@ -9577,16 +9420,6 @@
               </a:rPr>
               <a:t>选题的意义</a:t>
             </a:r>
-            <a:endParaRPr lang="zh-CN" altLang="en-US" sz="1800" b="1" dirty="0">
-              <a:solidFill>
-                <a:schemeClr val="tx1">
-                  <a:lumMod val="75000"/>
-                  <a:lumOff val="25000"/>
-                </a:schemeClr>
-              </a:solidFill>
-              <a:latin typeface="微软雅黑" panose="020B0503020204020204" pitchFamily="34" charset="-122"/>
-              <a:ea typeface="微软雅黑" panose="020B0503020204020204" pitchFamily="34" charset="-122"/>
-            </a:endParaRPr>
           </a:p>
         </p:txBody>
       </p:sp>
@@ -9612,7 +9445,7 @@
           <a:lstStyle/>
           <a:p>
             <a:r>
-              <a:rPr lang="en-US" altLang="zh-CN" sz="1600" dirty="0" smtClean="0">
+              <a:rPr lang="en-US" altLang="zh-CN" sz="1600" dirty="0">
                 <a:solidFill>
                   <a:schemeClr val="tx1">
                     <a:lumMod val="50000"/>
@@ -9623,15 +9456,6 @@
               </a:rPr>
               <a:t>Visual Punk</a:t>
             </a:r>
-            <a:endParaRPr lang="en-US" altLang="zh-CN" sz="1600" dirty="0" smtClean="0">
-              <a:solidFill>
-                <a:schemeClr val="tx1">
-                  <a:lumMod val="50000"/>
-                  <a:lumOff val="50000"/>
-                </a:schemeClr>
-              </a:solidFill>
-              <a:latin typeface="Impact" panose="020B0806030902050204" pitchFamily="34" charset="0"/>
-            </a:endParaRPr>
           </a:p>
         </p:txBody>
       </p:sp>
@@ -9984,21 +9808,14 @@
   <p:clrMapOvr>
     <a:masterClrMapping/>
   </p:clrMapOvr>
-  <mc:AlternateContent xmlns:mc="http://schemas.openxmlformats.org/markup-compatibility/2006">
-    <mc:Choice xmlns:p14="http://schemas.microsoft.com/office/powerpoint/2010/main" Requires="p14">
+  <mc:AlternateContent xmlns:mc="http://schemas.openxmlformats.org/markup-compatibility/2006" xmlns:p14="http://schemas.microsoft.com/office/powerpoint/2010/main">
+    <mc:Choice Requires="p14">
       <p:transition spd="slow" p14:dur="1600"/>
     </mc:Choice>
-    <mc:Fallback>
+    <mc:Fallback xmlns="">
       <p:transition spd="slow"/>
     </mc:Fallback>
   </mc:AlternateContent>
-  <p:timing>
-    <p:tnLst>
-      <p:par>
-        <p:cTn id="1" dur="indefinite" restart="never" nodeType="tmRoot"/>
-      </p:par>
-    </p:tnLst>
-  </p:timing>
 </p:sld>
 </file>
 
@@ -10084,17 +9901,6 @@
               </a:rPr>
               <a:t>cites濒危物种信息表</a:t>
             </a:r>
-            <a:endParaRPr sz="1600" dirty="0">
-              <a:solidFill>
-                <a:schemeClr val="tx1">
-                  <a:lumMod val="65000"/>
-                  <a:lumOff val="35000"/>
-                </a:schemeClr>
-              </a:solidFill>
-              <a:latin typeface="微软雅黑" panose="020B0503020204020204" pitchFamily="34" charset="-122"/>
-              <a:ea typeface="微软雅黑" panose="020B0503020204020204" pitchFamily="34" charset="-122"/>
-              <a:cs typeface="Leelawadee" panose="020B0502040204020203" pitchFamily="34" charset="-34"/>
-            </a:endParaRPr>
           </a:p>
           <a:p>
             <a:pPr>
@@ -10116,17 +9922,6 @@
               </a:rPr>
               <a:t>cites 2000-2017年濒危物种交易数据</a:t>
             </a:r>
-            <a:endParaRPr sz="1600" dirty="0">
-              <a:solidFill>
-                <a:schemeClr val="tx1">
-                  <a:lumMod val="65000"/>
-                  <a:lumOff val="35000"/>
-                </a:schemeClr>
-              </a:solidFill>
-              <a:latin typeface="微软雅黑" panose="020B0503020204020204" pitchFamily="34" charset="-122"/>
-              <a:ea typeface="微软雅黑" panose="020B0503020204020204" pitchFamily="34" charset="-122"/>
-              <a:cs typeface="Leelawadee" panose="020B0502040204020203" pitchFamily="34" charset="-34"/>
-            </a:endParaRPr>
           </a:p>
         </p:txBody>
       </p:sp>
@@ -10296,16 +10091,6 @@
               </a:rPr>
               <a:t>数据来源</a:t>
             </a:r>
-            <a:endParaRPr lang="zh-CN" altLang="en-US" sz="1800" b="1" dirty="0">
-              <a:solidFill>
-                <a:schemeClr val="tx1">
-                  <a:lumMod val="75000"/>
-                  <a:lumOff val="25000"/>
-                </a:schemeClr>
-              </a:solidFill>
-              <a:latin typeface="微软雅黑" panose="020B0503020204020204" pitchFamily="34" charset="-122"/>
-              <a:ea typeface="微软雅黑" panose="020B0503020204020204" pitchFamily="34" charset="-122"/>
-            </a:endParaRPr>
           </a:p>
         </p:txBody>
       </p:sp>
@@ -10331,7 +10116,7 @@
           <a:lstStyle/>
           <a:p>
             <a:r>
-              <a:rPr lang="en-US" altLang="zh-CN" sz="1600" dirty="0" smtClean="0">
+              <a:rPr lang="en-US" altLang="zh-CN" sz="1600" dirty="0">
                 <a:solidFill>
                   <a:schemeClr val="tx1">
                     <a:lumMod val="50000"/>
@@ -10342,15 +10127,6 @@
               </a:rPr>
               <a:t>Visual Punk</a:t>
             </a:r>
-            <a:endParaRPr lang="en-US" altLang="zh-CN" sz="1600" dirty="0" smtClean="0">
-              <a:solidFill>
-                <a:schemeClr val="tx1">
-                  <a:lumMod val="50000"/>
-                  <a:lumOff val="50000"/>
-                </a:schemeClr>
-              </a:solidFill>
-              <a:latin typeface="Impact" panose="020B0806030902050204" pitchFamily="34" charset="0"/>
-            </a:endParaRPr>
           </a:p>
         </p:txBody>
       </p:sp>
@@ -10707,7 +10483,7 @@
           <p:nvPr/>
         </p:nvPicPr>
         <p:blipFill>
-          <a:blip r:embed="rId1"/>
+          <a:blip r:embed="rId3"/>
           <a:stretch>
             <a:fillRect/>
           </a:stretch>
@@ -10787,17 +10563,6 @@
               </a:rPr>
               <a:t>www.sites.org</a:t>
             </a:r>
-            <a:endParaRPr lang="en-US" sz="1200" i="1" dirty="0">
-              <a:solidFill>
-                <a:schemeClr val="tx1">
-                  <a:lumMod val="65000"/>
-                  <a:lumOff val="35000"/>
-                </a:schemeClr>
-              </a:solidFill>
-              <a:latin typeface="微软雅黑" panose="020B0503020204020204" pitchFamily="34" charset="-122"/>
-              <a:ea typeface="微软雅黑" panose="020B0503020204020204" pitchFamily="34" charset="-122"/>
-              <a:cs typeface="Leelawadee" panose="020B0502040204020203" pitchFamily="34" charset="-34"/>
-            </a:endParaRPr>
           </a:p>
         </p:txBody>
       </p:sp>
@@ -10806,21 +10571,14 @@
   <p:clrMapOvr>
     <a:masterClrMapping/>
   </p:clrMapOvr>
-  <mc:AlternateContent xmlns:mc="http://schemas.openxmlformats.org/markup-compatibility/2006">
-    <mc:Choice xmlns:p14="http://schemas.microsoft.com/office/powerpoint/2010/main" Requires="p14">
+  <mc:AlternateContent xmlns:mc="http://schemas.openxmlformats.org/markup-compatibility/2006" xmlns:p14="http://schemas.microsoft.com/office/powerpoint/2010/main">
+    <mc:Choice Requires="p14">
       <p:transition spd="slow" p14:dur="1600"/>
     </mc:Choice>
-    <mc:Fallback>
+    <mc:Fallback xmlns="">
       <p:transition spd="slow"/>
     </mc:Fallback>
   </mc:AlternateContent>
-  <p:timing>
-    <p:tnLst>
-      <p:par>
-        <p:cTn id="1" dur="indefinite" restart="never" nodeType="tmRoot"/>
-      </p:par>
-    </p:tnLst>
-  </p:timing>
 </p:sld>
 </file>
 
@@ -10920,17 +10678,6 @@
               </a:rPr>
               <a:t>对两个数据来源中不需要的分析项目去除 并导入至数据库</a:t>
             </a:r>
-            <a:endParaRPr sz="1600" dirty="0">
-              <a:solidFill>
-                <a:schemeClr val="tx1">
-                  <a:lumMod val="65000"/>
-                  <a:lumOff val="35000"/>
-                </a:schemeClr>
-              </a:solidFill>
-              <a:latin typeface="微软雅黑" panose="020B0503020204020204" pitchFamily="34" charset="-122"/>
-              <a:ea typeface="微软雅黑" panose="020B0503020204020204" pitchFamily="34" charset="-122"/>
-              <a:cs typeface="Leelawadee" panose="020B0502040204020203" pitchFamily="34" charset="-34"/>
-            </a:endParaRPr>
           </a:p>
           <a:p>
             <a:pPr>
@@ -10980,17 +10727,6 @@
               </a:rPr>
               <a:t>从数据库中将需要的数据转化成json文件</a:t>
             </a:r>
-            <a:endParaRPr sz="1600" dirty="0">
-              <a:solidFill>
-                <a:schemeClr val="tx1">
-                  <a:lumMod val="65000"/>
-                  <a:lumOff val="35000"/>
-                </a:schemeClr>
-              </a:solidFill>
-              <a:latin typeface="微软雅黑" panose="020B0503020204020204" pitchFamily="34" charset="-122"/>
-              <a:ea typeface="微软雅黑" panose="020B0503020204020204" pitchFamily="34" charset="-122"/>
-              <a:cs typeface="Leelawadee" panose="020B0502040204020203" pitchFamily="34" charset="-34"/>
-            </a:endParaRPr>
           </a:p>
         </p:txBody>
       </p:sp>
@@ -11197,7 +10933,7 @@
           <a:lstStyle/>
           <a:p>
             <a:r>
-              <a:rPr lang="en-US" altLang="zh-CN" sz="1600" dirty="0" smtClean="0">
+              <a:rPr lang="en-US" altLang="zh-CN" sz="1600" dirty="0">
                 <a:solidFill>
                   <a:schemeClr val="tx1">
                     <a:lumMod val="50000"/>
@@ -11208,15 +10944,6 @@
               </a:rPr>
               <a:t>Visual Punk</a:t>
             </a:r>
-            <a:endParaRPr lang="en-US" altLang="zh-CN" sz="1600" dirty="0" smtClean="0">
-              <a:solidFill>
-                <a:schemeClr val="tx1">
-                  <a:lumMod val="50000"/>
-                  <a:lumOff val="50000"/>
-                </a:schemeClr>
-              </a:solidFill>
-              <a:latin typeface="Impact" panose="020B0806030902050204" pitchFamily="34" charset="0"/>
-            </a:endParaRPr>
           </a:p>
         </p:txBody>
       </p:sp>
@@ -11569,21 +11296,14 @@
   <p:clrMapOvr>
     <a:masterClrMapping/>
   </p:clrMapOvr>
-  <mc:AlternateContent xmlns:mc="http://schemas.openxmlformats.org/markup-compatibility/2006">
-    <mc:Choice xmlns:p14="http://schemas.microsoft.com/office/powerpoint/2010/main" Requires="p14">
+  <mc:AlternateContent xmlns:mc="http://schemas.openxmlformats.org/markup-compatibility/2006" xmlns:p14="http://schemas.microsoft.com/office/powerpoint/2010/main">
+    <mc:Choice Requires="p14">
       <p:transition spd="slow" p14:dur="1600"/>
     </mc:Choice>
-    <mc:Fallback>
+    <mc:Fallback xmlns="">
       <p:transition spd="slow"/>
     </mc:Fallback>
   </mc:AlternateContent>
-  <p:timing>
-    <p:tnLst>
-      <p:par>
-        <p:cTn id="1" dur="indefinite" restart="never" nodeType="tmRoot"/>
-      </p:par>
-    </p:tnLst>
-  </p:timing>
 </p:sld>
 </file>
 
@@ -11807,7 +11527,7 @@
           <a:lstStyle/>
           <a:p>
             <a:r>
-              <a:rPr lang="en-US" altLang="zh-CN" sz="1600" dirty="0" smtClean="0">
+              <a:rPr lang="en-US" altLang="zh-CN" sz="1600" dirty="0">
                 <a:solidFill>
                   <a:schemeClr val="tx1">
                     <a:lumMod val="50000"/>
@@ -11818,15 +11538,6 @@
               </a:rPr>
               <a:t>Visual Punk</a:t>
             </a:r>
-            <a:endParaRPr lang="en-US" altLang="zh-CN" sz="1600" dirty="0" smtClean="0">
-              <a:solidFill>
-                <a:schemeClr val="tx1">
-                  <a:lumMod val="50000"/>
-                  <a:lumOff val="50000"/>
-                </a:schemeClr>
-              </a:solidFill>
-              <a:latin typeface="Impact" panose="020B0806030902050204" pitchFamily="34" charset="0"/>
-            </a:endParaRPr>
           </a:p>
         </p:txBody>
       </p:sp>
@@ -12183,7 +11894,7 @@
           <p:nvPr/>
         </p:nvPicPr>
         <p:blipFill>
-          <a:blip r:embed="rId1"/>
+          <a:blip r:embed="rId3"/>
           <a:stretch>
             <a:fillRect/>
           </a:stretch>
@@ -12203,21 +11914,14 @@
   <p:clrMapOvr>
     <a:masterClrMapping/>
   </p:clrMapOvr>
-  <mc:AlternateContent xmlns:mc="http://schemas.openxmlformats.org/markup-compatibility/2006">
-    <mc:Choice xmlns:p14="http://schemas.microsoft.com/office/powerpoint/2010/main" Requires="p14">
+  <mc:AlternateContent xmlns:mc="http://schemas.openxmlformats.org/markup-compatibility/2006" xmlns:p14="http://schemas.microsoft.com/office/powerpoint/2010/main">
+    <mc:Choice Requires="p14">
       <p:transition spd="slow" p14:dur="1600"/>
     </mc:Choice>
-    <mc:Fallback>
+    <mc:Fallback xmlns="">
       <p:transition spd="slow"/>
     </mc:Fallback>
   </mc:AlternateContent>
-  <p:timing>
-    <p:tnLst>
-      <p:par>
-        <p:cTn id="1" dur="indefinite" restart="never" nodeType="tmRoot"/>
-      </p:par>
-    </p:tnLst>
-  </p:timing>
 </p:sld>
 </file>
 
@@ -12441,7 +12145,7 @@
           <a:lstStyle/>
           <a:p>
             <a:r>
-              <a:rPr lang="en-US" altLang="zh-CN" sz="1600" dirty="0" smtClean="0">
+              <a:rPr lang="en-US" altLang="zh-CN" sz="1600" dirty="0">
                 <a:solidFill>
                   <a:schemeClr val="tx1">
                     <a:lumMod val="50000"/>
@@ -12452,15 +12156,6 @@
               </a:rPr>
               <a:t>Visual Punk</a:t>
             </a:r>
-            <a:endParaRPr lang="en-US" altLang="zh-CN" sz="1600" dirty="0" smtClean="0">
-              <a:solidFill>
-                <a:schemeClr val="tx1">
-                  <a:lumMod val="50000"/>
-                  <a:lumOff val="50000"/>
-                </a:schemeClr>
-              </a:solidFill>
-              <a:latin typeface="Impact" panose="020B0806030902050204" pitchFamily="34" charset="0"/>
-            </a:endParaRPr>
           </a:p>
         </p:txBody>
       </p:sp>
@@ -12817,7 +12512,7 @@
           <p:nvPr/>
         </p:nvPicPr>
         <p:blipFill>
-          <a:blip r:embed="rId1"/>
+          <a:blip r:embed="rId3"/>
           <a:stretch>
             <a:fillRect/>
           </a:stretch>
@@ -12837,21 +12532,14 @@
   <p:clrMapOvr>
     <a:masterClrMapping/>
   </p:clrMapOvr>
-  <mc:AlternateContent xmlns:mc="http://schemas.openxmlformats.org/markup-compatibility/2006">
-    <mc:Choice xmlns:p14="http://schemas.microsoft.com/office/powerpoint/2010/main" Requires="p14">
+  <mc:AlternateContent xmlns:mc="http://schemas.openxmlformats.org/markup-compatibility/2006" xmlns:p14="http://schemas.microsoft.com/office/powerpoint/2010/main">
+    <mc:Choice Requires="p14">
       <p:transition spd="slow" p14:dur="1600"/>
     </mc:Choice>
-    <mc:Fallback>
+    <mc:Fallback xmlns="">
       <p:transition spd="slow"/>
     </mc:Fallback>
   </mc:AlternateContent>
-  <p:timing>
-    <p:tnLst>
-      <p:par>
-        <p:cTn id="1" dur="indefinite" restart="never" nodeType="tmRoot"/>
-      </p:par>
-    </p:tnLst>
-  </p:timing>
 </p:sld>
 </file>
 
@@ -13075,7 +12763,7 @@
           <a:lstStyle/>
           <a:p>
             <a:r>
-              <a:rPr lang="en-US" altLang="zh-CN" sz="1600" dirty="0" smtClean="0">
+              <a:rPr lang="en-US" altLang="zh-CN" sz="1600" dirty="0">
                 <a:solidFill>
                   <a:schemeClr val="tx1">
                     <a:lumMod val="50000"/>
@@ -13086,15 +12774,6 @@
               </a:rPr>
               <a:t>Visual Punk</a:t>
             </a:r>
-            <a:endParaRPr lang="en-US" altLang="zh-CN" sz="1600" dirty="0" smtClean="0">
-              <a:solidFill>
-                <a:schemeClr val="tx1">
-                  <a:lumMod val="50000"/>
-                  <a:lumOff val="50000"/>
-                </a:schemeClr>
-              </a:solidFill>
-              <a:latin typeface="Impact" panose="020B0806030902050204" pitchFamily="34" charset="0"/>
-            </a:endParaRPr>
           </a:p>
         </p:txBody>
       </p:sp>
@@ -13451,7 +13130,7 @@
           <p:nvPr/>
         </p:nvPicPr>
         <p:blipFill>
-          <a:blip r:embed="rId1"/>
+          <a:blip r:embed="rId3"/>
           <a:stretch>
             <a:fillRect/>
           </a:stretch>
@@ -13471,21 +13150,14 @@
   <p:clrMapOvr>
     <a:masterClrMapping/>
   </p:clrMapOvr>
-  <mc:AlternateContent xmlns:mc="http://schemas.openxmlformats.org/markup-compatibility/2006">
-    <mc:Choice xmlns:p14="http://schemas.microsoft.com/office/powerpoint/2010/main" Requires="p14">
+  <mc:AlternateContent xmlns:mc="http://schemas.openxmlformats.org/markup-compatibility/2006" xmlns:p14="http://schemas.microsoft.com/office/powerpoint/2010/main">
+    <mc:Choice Requires="p14">
       <p:transition spd="slow" p14:dur="1600"/>
     </mc:Choice>
-    <mc:Fallback>
+    <mc:Fallback xmlns="">
       <p:transition spd="slow"/>
     </mc:Fallback>
   </mc:AlternateContent>
-  <p:timing>
-    <p:tnLst>
-      <p:par>
-        <p:cTn id="1" dur="indefinite" restart="never" nodeType="tmRoot"/>
-      </p:par>
-    </p:tnLst>
-  </p:timing>
 </p:sld>
 </file>
 
@@ -13585,17 +13257,6 @@
               </a:rPr>
               <a:t>+ 进出口前20的国家</a:t>
             </a:r>
-            <a:endParaRPr sz="1600" dirty="0">
-              <a:solidFill>
-                <a:schemeClr val="tx1">
-                  <a:lumMod val="65000"/>
-                  <a:lumOff val="35000"/>
-                </a:schemeClr>
-              </a:solidFill>
-              <a:latin typeface="微软雅黑" panose="020B0503020204020204" pitchFamily="34" charset="-122"/>
-              <a:ea typeface="微软雅黑" panose="020B0503020204020204" pitchFamily="34" charset="-122"/>
-              <a:cs typeface="Leelawadee" panose="020B0502040204020203" pitchFamily="34" charset="-34"/>
-            </a:endParaRPr>
           </a:p>
           <a:p>
             <a:pPr>
@@ -13617,17 +13278,6 @@
               </a:rPr>
               <a:t> + 对于进口国家，会考察每年它们进口的来源、进口的物种种类、交易量以及目的</a:t>
             </a:r>
-            <a:endParaRPr sz="1600" dirty="0">
-              <a:solidFill>
-                <a:schemeClr val="tx1">
-                  <a:lumMod val="65000"/>
-                  <a:lumOff val="35000"/>
-                </a:schemeClr>
-              </a:solidFill>
-              <a:latin typeface="微软雅黑" panose="020B0503020204020204" pitchFamily="34" charset="-122"/>
-              <a:ea typeface="微软雅黑" panose="020B0503020204020204" pitchFamily="34" charset="-122"/>
-              <a:cs typeface="Leelawadee" panose="020B0502040204020203" pitchFamily="34" charset="-34"/>
-            </a:endParaRPr>
           </a:p>
           <a:p>
             <a:pPr>
@@ -13649,17 +13299,6 @@
               </a:rPr>
               <a:t> + 对于出口国家，会考察每年它们出口的目的地，出口的物种种类、交易量以及目的</a:t>
             </a:r>
-            <a:endParaRPr sz="1600" dirty="0">
-              <a:solidFill>
-                <a:schemeClr val="tx1">
-                  <a:lumMod val="65000"/>
-                  <a:lumOff val="35000"/>
-                </a:schemeClr>
-              </a:solidFill>
-              <a:latin typeface="微软雅黑" panose="020B0503020204020204" pitchFamily="34" charset="-122"/>
-              <a:ea typeface="微软雅黑" panose="020B0503020204020204" pitchFamily="34" charset="-122"/>
-              <a:cs typeface="Leelawadee" panose="020B0502040204020203" pitchFamily="34" charset="-34"/>
-            </a:endParaRPr>
           </a:p>
           <a:p>
             <a:pPr>
@@ -13679,7 +13318,35 @@
                 <a:ea typeface="微软雅黑" panose="020B0503020204020204" pitchFamily="34" charset="-122"/>
                 <a:cs typeface="Leelawadee" panose="020B0502040204020203" pitchFamily="34" charset="-34"/>
               </a:rPr>
-              <a:t> + 全球濒危动物的交易总量</a:t>
+              <a:t> + </a:t>
+            </a:r>
+            <a:r>
+              <a:rPr sz="1600" dirty="0" err="1">
+                <a:solidFill>
+                  <a:schemeClr val="tx1">
+                    <a:lumMod val="65000"/>
+                    <a:lumOff val="35000"/>
+                  </a:schemeClr>
+                </a:solidFill>
+                <a:latin typeface="微软雅黑" panose="020B0503020204020204" pitchFamily="34" charset="-122"/>
+                <a:ea typeface="微软雅黑" panose="020B0503020204020204" pitchFamily="34" charset="-122"/>
+                <a:cs typeface="Leelawadee" panose="020B0502040204020203" pitchFamily="34" charset="-34"/>
+              </a:rPr>
+              <a:t>全球濒危动物的交易总量</a:t>
+            </a:r>
+            <a:r>
+              <a:rPr lang="zh-CN" altLang="en-US" sz="1600" dirty="0">
+                <a:solidFill>
+                  <a:schemeClr val="tx1">
+                    <a:lumMod val="65000"/>
+                    <a:lumOff val="35000"/>
+                  </a:schemeClr>
+                </a:solidFill>
+                <a:latin typeface="微软雅黑" panose="020B0503020204020204" pitchFamily="34" charset="-122"/>
+                <a:ea typeface="微软雅黑" panose="020B0503020204020204" pitchFamily="34" charset="-122"/>
+                <a:cs typeface="Leelawadee" panose="020B0502040204020203" pitchFamily="34" charset="-34"/>
+              </a:rPr>
+              <a:t>、以及用途的统计</a:t>
             </a:r>
             <a:endParaRPr sz="1600" dirty="0">
               <a:solidFill>
@@ -13898,7 +13565,7 @@
           <a:lstStyle/>
           <a:p>
             <a:r>
-              <a:rPr lang="en-US" altLang="zh-CN" sz="1600" dirty="0" smtClean="0">
+              <a:rPr lang="en-US" altLang="zh-CN" sz="1600" dirty="0">
                 <a:solidFill>
                   <a:schemeClr val="tx1">
                     <a:lumMod val="50000"/>
@@ -13909,15 +13576,6 @@
               </a:rPr>
               <a:t>Visual Punk</a:t>
             </a:r>
-            <a:endParaRPr lang="en-US" altLang="zh-CN" sz="1600" dirty="0" smtClean="0">
-              <a:solidFill>
-                <a:schemeClr val="tx1">
-                  <a:lumMod val="50000"/>
-                  <a:lumOff val="50000"/>
-                </a:schemeClr>
-              </a:solidFill>
-              <a:latin typeface="Impact" panose="020B0806030902050204" pitchFamily="34" charset="0"/>
-            </a:endParaRPr>
           </a:p>
         </p:txBody>
       </p:sp>
@@ -14270,21 +13928,14 @@
   <p:clrMapOvr>
     <a:masterClrMapping/>
   </p:clrMapOvr>
-  <mc:AlternateContent xmlns:mc="http://schemas.openxmlformats.org/markup-compatibility/2006">
-    <mc:Choice xmlns:p14="http://schemas.microsoft.com/office/powerpoint/2010/main" Requires="p14">
+  <mc:AlternateContent xmlns:mc="http://schemas.openxmlformats.org/markup-compatibility/2006" xmlns:p14="http://schemas.microsoft.com/office/powerpoint/2010/main">
+    <mc:Choice Requires="p14">
       <p:transition spd="slow" p14:dur="1600"/>
     </mc:Choice>
-    <mc:Fallback>
+    <mc:Fallback xmlns="">
       <p:transition spd="slow"/>
     </mc:Fallback>
   </mc:AlternateContent>
-  <p:timing>
-    <p:tnLst>
-      <p:par>
-        <p:cTn id="1" dur="indefinite" restart="never" nodeType="tmRoot"/>
-      </p:par>
-    </p:tnLst>
-  </p:timing>
 </p:sld>
 </file>
 
@@ -14568,6 +14219,8 @@
       </a:bgFillStyleLst>
     </a:fmtScheme>
   </a:themeElements>
+  <a:objectDefaults/>
+  <a:extraClrSchemeLst/>
   <a:extLst>
     <a:ext uri="{05A4C25C-085E-4340-85A3-A5531E510DB2}">
       <thm15:themeFamily xmlns:thm15="http://schemas.microsoft.com/office/thememl/2012/main" name="Office Theme" id="{62F939B6-93AF-4DB8-9C6B-D6C7DFDC589F}" vid="{4A3C46E8-61CC-4603-A589-7422A47A8E4A}"/>
@@ -14856,6 +14509,8 @@
       </a:bgFillStyleLst>
     </a:fmtScheme>
   </a:themeElements>
+  <a:objectDefaults/>
+  <a:extraClrSchemeLst/>
   <a:extLst>
     <a:ext uri="{05A4C25C-085E-4340-85A3-A5531E510DB2}">
       <thm15:themeFamily xmlns:thm15="http://schemas.microsoft.com/office/thememl/2012/main" name="Office Theme" id="{62F939B6-93AF-4DB8-9C6B-D6C7DFDC589F}" vid="{4A3C46E8-61CC-4603-A589-7422A47A8E4A}"/>

--- a/Documents/PPT内容/visualPunk-ppt.pptx
+++ b/Documents/PPT内容/visualPunk-ppt.pptx
@@ -5,21 +5,21 @@
     <p:sldMasterId id="2147483648" r:id="rId1"/>
   </p:sldMasterIdLst>
   <p:notesMasterIdLst>
-    <p:notesMasterId r:id="rId4"/>
+    <p:notesMasterId r:id="rId14"/>
   </p:notesMasterIdLst>
   <p:sldIdLst>
-    <p:sldId id="256" r:id="rId3"/>
-    <p:sldId id="312" r:id="rId5"/>
-    <p:sldId id="314" r:id="rId6"/>
-    <p:sldId id="315" r:id="rId7"/>
-    <p:sldId id="317" r:id="rId8"/>
-    <p:sldId id="318" r:id="rId9"/>
-    <p:sldId id="319" r:id="rId10"/>
-    <p:sldId id="320" r:id="rId11"/>
-    <p:sldId id="322" r:id="rId12"/>
-    <p:sldId id="324" r:id="rId13"/>
-    <p:sldId id="323" r:id="rId14"/>
-    <p:sldId id="287" r:id="rId15"/>
+    <p:sldId id="256" r:id="rId2"/>
+    <p:sldId id="312" r:id="rId3"/>
+    <p:sldId id="314" r:id="rId4"/>
+    <p:sldId id="315" r:id="rId5"/>
+    <p:sldId id="317" r:id="rId6"/>
+    <p:sldId id="318" r:id="rId7"/>
+    <p:sldId id="319" r:id="rId8"/>
+    <p:sldId id="320" r:id="rId9"/>
+    <p:sldId id="322" r:id="rId10"/>
+    <p:sldId id="324" r:id="rId11"/>
+    <p:sldId id="323" r:id="rId12"/>
+    <p:sldId id="287" r:id="rId13"/>
   </p:sldIdLst>
   <p:sldSz cx="9144000" cy="5143500" type="screen16x9"/>
   <p:notesSz cx="6858000" cy="9144000"/>
@@ -118,6 +118,22 @@
       </a:defRPr>
     </a:lvl9pPr>
   </p:defaultTextStyle>
+  <p:extLst>
+    <p:ext uri="{EFAFB233-063F-42B5-8137-9DF3F51BA10A}">
+      <p15:sldGuideLst xmlns:p15="http://schemas.microsoft.com/office/powerpoint/2012/main">
+        <p15:guide id="1" orient="horz" pos="1579">
+          <p15:clr>
+            <a:srgbClr val="A4A3A4"/>
+          </p15:clr>
+        </p15:guide>
+        <p15:guide id="2" pos="2851">
+          <p15:clr>
+            <a:srgbClr val="A4A3A4"/>
+          </p15:clr>
+        </p15:guide>
+      </p15:sldGuideLst>
+    </p:ext>
+  </p:extLst>
 </p:presentation>
 </file>
 
@@ -203,6 +219,7 @@
           <a:p>
             <a:fld id="{0DC58FF6-4467-43F1-89AB-D185139918FC}" type="datetimeFigureOut">
               <a:rPr lang="zh-CN" altLang="en-US" smtClean="0"/>
+              <a:t>2019/1/9</a:t>
             </a:fld>
             <a:endParaRPr lang="zh-CN" altLang="en-US"/>
           </a:p>
@@ -266,42 +283,37 @@
           <a:p>
             <a:pPr lvl="0"/>
             <a:r>
-              <a:rPr lang="zh-CN" altLang="en-US" smtClean="0"/>
+              <a:rPr lang="zh-CN" altLang="en-US"/>
               <a:t>单击此处编辑母版文本样式</a:t>
             </a:r>
-            <a:endParaRPr lang="zh-CN" altLang="en-US" smtClean="0"/>
           </a:p>
           <a:p>
             <a:pPr lvl="1"/>
             <a:r>
-              <a:rPr lang="zh-CN" altLang="en-US" smtClean="0"/>
+              <a:rPr lang="zh-CN" altLang="en-US"/>
               <a:t>第二级</a:t>
             </a:r>
-            <a:endParaRPr lang="zh-CN" altLang="en-US" smtClean="0"/>
           </a:p>
           <a:p>
             <a:pPr lvl="2"/>
             <a:r>
-              <a:rPr lang="zh-CN" altLang="en-US" smtClean="0"/>
+              <a:rPr lang="zh-CN" altLang="en-US"/>
               <a:t>第三级</a:t>
             </a:r>
-            <a:endParaRPr lang="zh-CN" altLang="en-US" smtClean="0"/>
           </a:p>
           <a:p>
             <a:pPr lvl="3"/>
             <a:r>
-              <a:rPr lang="zh-CN" altLang="en-US" smtClean="0"/>
+              <a:rPr lang="zh-CN" altLang="en-US"/>
               <a:t>第四级</a:t>
             </a:r>
-            <a:endParaRPr lang="zh-CN" altLang="en-US" smtClean="0"/>
           </a:p>
           <a:p>
             <a:pPr lvl="4"/>
             <a:r>
-              <a:rPr lang="zh-CN" altLang="en-US" smtClean="0"/>
+              <a:rPr lang="zh-CN" altLang="en-US"/>
               <a:t>第五级</a:t>
             </a:r>
-            <a:endParaRPr lang="zh-CN" altLang="en-US"/>
           </a:p>
         </p:txBody>
       </p:sp>
@@ -365,6 +377,7 @@
           <a:p>
             <a:fld id="{7A88F22F-F449-4453-81D0-F9B7771B5E46}" type="slidenum">
               <a:rPr lang="zh-CN" altLang="en-US" smtClean="0"/>
+              <a:t>‹#›</a:t>
             </a:fld>
             <a:endParaRPr lang="zh-CN" altLang="en-US"/>
           </a:p>
@@ -533,6 +546,7 @@
           <a:p>
             <a:fld id="{7A88F22F-F449-4453-81D0-F9B7771B5E46}" type="slidenum">
               <a:rPr lang="zh-CN" altLang="en-US" smtClean="0"/>
+              <a:t>1</a:t>
             </a:fld>
             <a:endParaRPr lang="zh-CN" altLang="en-US"/>
           </a:p>
@@ -611,6 +625,7 @@
           <a:p>
             <a:fld id="{7A88F22F-F449-4453-81D0-F9B7771B5E46}" type="slidenum">
               <a:rPr lang="zh-CN" altLang="en-US" smtClean="0"/>
+              <a:t>10</a:t>
             </a:fld>
             <a:endParaRPr lang="zh-CN" altLang="en-US"/>
           </a:p>
@@ -689,6 +704,7 @@
           <a:p>
             <a:fld id="{7A88F22F-F449-4453-81D0-F9B7771B5E46}" type="slidenum">
               <a:rPr lang="zh-CN" altLang="en-US" smtClean="0"/>
+              <a:t>11</a:t>
             </a:fld>
             <a:endParaRPr lang="zh-CN" altLang="en-US"/>
           </a:p>
@@ -767,6 +783,7 @@
           <a:p>
             <a:fld id="{7A88F22F-F449-4453-81D0-F9B7771B5E46}" type="slidenum">
               <a:rPr lang="zh-CN" altLang="en-US" smtClean="0"/>
+              <a:t>12</a:t>
             </a:fld>
             <a:endParaRPr lang="zh-CN" altLang="en-US"/>
           </a:p>
@@ -845,6 +862,7 @@
           <a:p>
             <a:fld id="{7A88F22F-F449-4453-81D0-F9B7771B5E46}" type="slidenum">
               <a:rPr lang="zh-CN" altLang="en-US" smtClean="0"/>
+              <a:t>2</a:t>
             </a:fld>
             <a:endParaRPr lang="zh-CN" altLang="en-US"/>
           </a:p>
@@ -923,6 +941,7 @@
           <a:p>
             <a:fld id="{7A88F22F-F449-4453-81D0-F9B7771B5E46}" type="slidenum">
               <a:rPr lang="zh-CN" altLang="en-US" smtClean="0"/>
+              <a:t>3</a:t>
             </a:fld>
             <a:endParaRPr lang="zh-CN" altLang="en-US"/>
           </a:p>
@@ -1001,6 +1020,7 @@
           <a:p>
             <a:fld id="{7A88F22F-F449-4453-81D0-F9B7771B5E46}" type="slidenum">
               <a:rPr lang="zh-CN" altLang="en-US" smtClean="0"/>
+              <a:t>4</a:t>
             </a:fld>
             <a:endParaRPr lang="zh-CN" altLang="en-US"/>
           </a:p>
@@ -1079,6 +1099,7 @@
           <a:p>
             <a:fld id="{7A88F22F-F449-4453-81D0-F9B7771B5E46}" type="slidenum">
               <a:rPr lang="zh-CN" altLang="en-US" smtClean="0"/>
+              <a:t>5</a:t>
             </a:fld>
             <a:endParaRPr lang="zh-CN" altLang="en-US"/>
           </a:p>
@@ -1157,6 +1178,7 @@
           <a:p>
             <a:fld id="{7A88F22F-F449-4453-81D0-F9B7771B5E46}" type="slidenum">
               <a:rPr lang="zh-CN" altLang="en-US" smtClean="0"/>
+              <a:t>6</a:t>
             </a:fld>
             <a:endParaRPr lang="zh-CN" altLang="en-US"/>
           </a:p>
@@ -1235,6 +1257,7 @@
           <a:p>
             <a:fld id="{7A88F22F-F449-4453-81D0-F9B7771B5E46}" type="slidenum">
               <a:rPr lang="zh-CN" altLang="en-US" smtClean="0"/>
+              <a:t>7</a:t>
             </a:fld>
             <a:endParaRPr lang="zh-CN" altLang="en-US"/>
           </a:p>
@@ -1313,6 +1336,7 @@
           <a:p>
             <a:fld id="{7A88F22F-F449-4453-81D0-F9B7771B5E46}" type="slidenum">
               <a:rPr lang="zh-CN" altLang="en-US" smtClean="0"/>
+              <a:t>8</a:t>
             </a:fld>
             <a:endParaRPr lang="zh-CN" altLang="en-US"/>
           </a:p>
@@ -1391,6 +1415,7 @@
           <a:p>
             <a:fld id="{7A88F22F-F449-4453-81D0-F9B7771B5E46}" type="slidenum">
               <a:rPr lang="zh-CN" altLang="en-US" smtClean="0"/>
+              <a:t>9</a:t>
             </a:fld>
             <a:endParaRPr lang="zh-CN" altLang="en-US"/>
           </a:p>
@@ -1438,6 +1463,7 @@
           <a:p>
             <a:fld id="{47496A82-8C58-4230-85E6-C1DB51D5629D}" type="datetimeFigureOut">
               <a:rPr lang="zh-CN" altLang="en-US" smtClean="0"/>
+              <a:t>2019/1/9</a:t>
             </a:fld>
             <a:endParaRPr lang="zh-CN" altLang="en-US"/>
           </a:p>
@@ -1479,6 +1505,7 @@
           <a:p>
             <a:fld id="{AF075C28-AD93-4B03-9A73-F263CFFF2BFC}" type="slidenum">
               <a:rPr lang="zh-CN" altLang="en-US" smtClean="0"/>
+              <a:t>‹#›</a:t>
             </a:fld>
             <a:endParaRPr lang="zh-CN" altLang="en-US"/>
           </a:p>
@@ -1489,21 +1516,14 @@
   <p:clrMapOvr>
     <a:masterClrMapping/>
   </p:clrMapOvr>
-  <mc:AlternateContent xmlns:mc="http://schemas.openxmlformats.org/markup-compatibility/2006">
-    <mc:Choice xmlns:p14="http://schemas.microsoft.com/office/powerpoint/2010/main" Requires="p14">
+  <mc:AlternateContent xmlns:mc="http://schemas.openxmlformats.org/markup-compatibility/2006" xmlns:p14="http://schemas.microsoft.com/office/powerpoint/2010/main">
+    <mc:Choice Requires="p14">
       <p:transition spd="slow" p14:dur="1600"/>
     </mc:Choice>
-    <mc:Fallback>
+    <mc:Fallback xmlns="">
       <p:transition spd="slow"/>
     </mc:Fallback>
   </mc:AlternateContent>
-  <p:timing>
-    <p:tnLst>
-      <p:par>
-        <p:cTn id="1" dur="indefinite" restart="never" nodeType="tmRoot"/>
-      </p:par>
-    </p:tnLst>
-  </p:timing>
 </p:sldLayout>
 </file>
 
@@ -1541,6 +1561,7 @@
           <a:p>
             <a:fld id="{47496A82-8C58-4230-85E6-C1DB51D5629D}" type="datetimeFigureOut">
               <a:rPr lang="zh-CN" altLang="en-US" smtClean="0"/>
+              <a:t>2019/1/9</a:t>
             </a:fld>
             <a:endParaRPr lang="zh-CN" altLang="en-US"/>
           </a:p>
@@ -1582,6 +1603,7 @@
           <a:p>
             <a:fld id="{AF075C28-AD93-4B03-9A73-F263CFFF2BFC}" type="slidenum">
               <a:rPr lang="zh-CN" altLang="en-US" smtClean="0"/>
+              <a:t>‹#›</a:t>
             </a:fld>
             <a:endParaRPr lang="zh-CN" altLang="en-US"/>
           </a:p>
@@ -1592,11 +1614,11 @@
   <p:clrMapOvr>
     <a:masterClrMapping/>
   </p:clrMapOvr>
-  <mc:AlternateContent xmlns:mc="http://schemas.openxmlformats.org/markup-compatibility/2006">
-    <mc:Choice xmlns:p14="http://schemas.microsoft.com/office/powerpoint/2010/main" Requires="p14">
+  <mc:AlternateContent xmlns:mc="http://schemas.openxmlformats.org/markup-compatibility/2006" xmlns:p14="http://schemas.microsoft.com/office/powerpoint/2010/main">
+    <mc:Choice Requires="p14">
       <p:transition spd="slow" p14:dur="1600"/>
     </mc:Choice>
-    <mc:Fallback>
+    <mc:Fallback xmlns="">
       <p:transition spd="slow"/>
     </mc:Fallback>
   </mc:AlternateContent>
@@ -1637,6 +1659,7 @@
           <a:p>
             <a:fld id="{47496A82-8C58-4230-85E6-C1DB51D5629D}" type="datetimeFigureOut">
               <a:rPr lang="zh-CN" altLang="en-US" smtClean="0"/>
+              <a:t>2019/1/9</a:t>
             </a:fld>
             <a:endParaRPr lang="zh-CN" altLang="en-US"/>
           </a:p>
@@ -1678,6 +1701,7 @@
           <a:p>
             <a:fld id="{AF075C28-AD93-4B03-9A73-F263CFFF2BFC}" type="slidenum">
               <a:rPr lang="zh-CN" altLang="en-US" smtClean="0"/>
+              <a:t>‹#›</a:t>
             </a:fld>
             <a:endParaRPr lang="zh-CN" altLang="en-US"/>
           </a:p>
@@ -1688,11 +1712,11 @@
   <p:clrMapOvr>
     <a:masterClrMapping/>
   </p:clrMapOvr>
-  <mc:AlternateContent xmlns:mc="http://schemas.openxmlformats.org/markup-compatibility/2006">
-    <mc:Choice xmlns:p14="http://schemas.microsoft.com/office/powerpoint/2010/main" Requires="p14">
+  <mc:AlternateContent xmlns:mc="http://schemas.openxmlformats.org/markup-compatibility/2006" xmlns:p14="http://schemas.microsoft.com/office/powerpoint/2010/main">
+    <mc:Choice Requires="p14">
       <p:transition spd="slow" p14:dur="1600"/>
     </mc:Choice>
-    <mc:Fallback>
+    <mc:Fallback xmlns="">
       <p:transition spd="slow"/>
     </mc:Fallback>
   </mc:AlternateContent>
@@ -1733,6 +1757,7 @@
           <a:p>
             <a:fld id="{47496A82-8C58-4230-85E6-C1DB51D5629D}" type="datetimeFigureOut">
               <a:rPr lang="zh-CN" altLang="en-US" smtClean="0"/>
+              <a:t>2019/1/9</a:t>
             </a:fld>
             <a:endParaRPr lang="zh-CN" altLang="en-US"/>
           </a:p>
@@ -1774,6 +1799,7 @@
           <a:p>
             <a:fld id="{AF075C28-AD93-4B03-9A73-F263CFFF2BFC}" type="slidenum">
               <a:rPr lang="zh-CN" altLang="en-US" smtClean="0"/>
+              <a:t>‹#›</a:t>
             </a:fld>
             <a:endParaRPr lang="zh-CN" altLang="en-US"/>
           </a:p>
@@ -1784,21 +1810,14 @@
   <p:clrMapOvr>
     <a:masterClrMapping/>
   </p:clrMapOvr>
-  <mc:AlternateContent xmlns:mc="http://schemas.openxmlformats.org/markup-compatibility/2006">
-    <mc:Choice xmlns:p14="http://schemas.microsoft.com/office/powerpoint/2010/main" Requires="p14">
+  <mc:AlternateContent xmlns:mc="http://schemas.openxmlformats.org/markup-compatibility/2006" xmlns:p14="http://schemas.microsoft.com/office/powerpoint/2010/main">
+    <mc:Choice Requires="p14">
       <p:transition spd="slow" p14:dur="1600"/>
     </mc:Choice>
-    <mc:Fallback>
+    <mc:Fallback xmlns="">
       <p:transition spd="slow"/>
     </mc:Fallback>
   </mc:AlternateContent>
-  <p:timing>
-    <p:tnLst>
-      <p:par>
-        <p:cTn id="1" dur="indefinite" restart="never" nodeType="tmRoot"/>
-      </p:par>
-    </p:tnLst>
-  </p:timing>
 </p:sldLayout>
 </file>
 
@@ -1836,6 +1855,7 @@
           <a:p>
             <a:fld id="{47496A82-8C58-4230-85E6-C1DB51D5629D}" type="datetimeFigureOut">
               <a:rPr lang="zh-CN" altLang="en-US" smtClean="0"/>
+              <a:t>2019/1/9</a:t>
             </a:fld>
             <a:endParaRPr lang="zh-CN" altLang="en-US"/>
           </a:p>
@@ -1877,6 +1897,7 @@
           <a:p>
             <a:fld id="{AF075C28-AD93-4B03-9A73-F263CFFF2BFC}" type="slidenum">
               <a:rPr lang="zh-CN" altLang="en-US" smtClean="0"/>
+              <a:t>‹#›</a:t>
             </a:fld>
             <a:endParaRPr lang="zh-CN" altLang="en-US"/>
           </a:p>
@@ -1887,11 +1908,11 @@
   <p:clrMapOvr>
     <a:masterClrMapping/>
   </p:clrMapOvr>
-  <mc:AlternateContent xmlns:mc="http://schemas.openxmlformats.org/markup-compatibility/2006">
-    <mc:Choice xmlns:p14="http://schemas.microsoft.com/office/powerpoint/2010/main" Requires="p14">
+  <mc:AlternateContent xmlns:mc="http://schemas.openxmlformats.org/markup-compatibility/2006" xmlns:p14="http://schemas.microsoft.com/office/powerpoint/2010/main">
+    <mc:Choice Requires="p14">
       <p:transition spd="slow" p14:dur="1600"/>
     </mc:Choice>
-    <mc:Fallback>
+    <mc:Fallback xmlns="">
       <p:transition spd="slow"/>
     </mc:Fallback>
   </mc:AlternateContent>
@@ -1932,6 +1953,7 @@
           <a:p>
             <a:fld id="{47496A82-8C58-4230-85E6-C1DB51D5629D}" type="datetimeFigureOut">
               <a:rPr lang="zh-CN" altLang="en-US" smtClean="0"/>
+              <a:t>2019/1/9</a:t>
             </a:fld>
             <a:endParaRPr lang="zh-CN" altLang="en-US"/>
           </a:p>
@@ -1973,6 +1995,7 @@
           <a:p>
             <a:fld id="{AF075C28-AD93-4B03-9A73-F263CFFF2BFC}" type="slidenum">
               <a:rPr lang="zh-CN" altLang="en-US" smtClean="0"/>
+              <a:t>‹#›</a:t>
             </a:fld>
             <a:endParaRPr lang="zh-CN" altLang="en-US"/>
           </a:p>
@@ -1983,11 +2006,11 @@
   <p:clrMapOvr>
     <a:masterClrMapping/>
   </p:clrMapOvr>
-  <mc:AlternateContent xmlns:mc="http://schemas.openxmlformats.org/markup-compatibility/2006">
-    <mc:Choice xmlns:p14="http://schemas.microsoft.com/office/powerpoint/2010/main" Requires="p14">
+  <mc:AlternateContent xmlns:mc="http://schemas.openxmlformats.org/markup-compatibility/2006" xmlns:p14="http://schemas.microsoft.com/office/powerpoint/2010/main">
+    <mc:Choice Requires="p14">
       <p:transition spd="slow" p14:dur="1600"/>
     </mc:Choice>
-    <mc:Fallback>
+    <mc:Fallback xmlns="">
       <p:transition spd="slow"/>
     </mc:Fallback>
   </mc:AlternateContent>
@@ -2028,6 +2051,7 @@
           <a:p>
             <a:fld id="{47496A82-8C58-4230-85E6-C1DB51D5629D}" type="datetimeFigureOut">
               <a:rPr lang="zh-CN" altLang="en-US" smtClean="0"/>
+              <a:t>2019/1/9</a:t>
             </a:fld>
             <a:endParaRPr lang="zh-CN" altLang="en-US"/>
           </a:p>
@@ -2069,6 +2093,7 @@
           <a:p>
             <a:fld id="{AF075C28-AD93-4B03-9A73-F263CFFF2BFC}" type="slidenum">
               <a:rPr lang="zh-CN" altLang="en-US" smtClean="0"/>
+              <a:t>‹#›</a:t>
             </a:fld>
             <a:endParaRPr lang="zh-CN" altLang="en-US"/>
           </a:p>
@@ -2079,11 +2104,11 @@
   <p:clrMapOvr>
     <a:masterClrMapping/>
   </p:clrMapOvr>
-  <mc:AlternateContent xmlns:mc="http://schemas.openxmlformats.org/markup-compatibility/2006">
-    <mc:Choice xmlns:p14="http://schemas.microsoft.com/office/powerpoint/2010/main" Requires="p14">
+  <mc:AlternateContent xmlns:mc="http://schemas.openxmlformats.org/markup-compatibility/2006" xmlns:p14="http://schemas.microsoft.com/office/powerpoint/2010/main">
+    <mc:Choice Requires="p14">
       <p:transition spd="slow" p14:dur="1600"/>
     </mc:Choice>
-    <mc:Fallback>
+    <mc:Fallback xmlns="">
       <p:transition spd="slow"/>
     </mc:Fallback>
   </mc:AlternateContent>
@@ -2124,6 +2149,7 @@
           <a:p>
             <a:fld id="{47496A82-8C58-4230-85E6-C1DB51D5629D}" type="datetimeFigureOut">
               <a:rPr lang="zh-CN" altLang="en-US" smtClean="0"/>
+              <a:t>2019/1/9</a:t>
             </a:fld>
             <a:endParaRPr lang="zh-CN" altLang="en-US"/>
           </a:p>
@@ -2165,6 +2191,7 @@
           <a:p>
             <a:fld id="{AF075C28-AD93-4B03-9A73-F263CFFF2BFC}" type="slidenum">
               <a:rPr lang="zh-CN" altLang="en-US" smtClean="0"/>
+              <a:t>‹#›</a:t>
             </a:fld>
             <a:endParaRPr lang="zh-CN" altLang="en-US"/>
           </a:p>
@@ -2175,11 +2202,11 @@
   <p:clrMapOvr>
     <a:masterClrMapping/>
   </p:clrMapOvr>
-  <mc:AlternateContent xmlns:mc="http://schemas.openxmlformats.org/markup-compatibility/2006">
-    <mc:Choice xmlns:p14="http://schemas.microsoft.com/office/powerpoint/2010/main" Requires="p14">
+  <mc:AlternateContent xmlns:mc="http://schemas.openxmlformats.org/markup-compatibility/2006" xmlns:p14="http://schemas.microsoft.com/office/powerpoint/2010/main">
+    <mc:Choice Requires="p14">
       <p:transition spd="slow" p14:dur="1600"/>
     </mc:Choice>
-    <mc:Fallback>
+    <mc:Fallback xmlns="">
       <p:transition spd="slow"/>
     </mc:Fallback>
   </mc:AlternateContent>
@@ -2220,6 +2247,7 @@
           <a:p>
             <a:fld id="{47496A82-8C58-4230-85E6-C1DB51D5629D}" type="datetimeFigureOut">
               <a:rPr lang="zh-CN" altLang="en-US" smtClean="0"/>
+              <a:t>2019/1/9</a:t>
             </a:fld>
             <a:endParaRPr lang="zh-CN" altLang="en-US"/>
           </a:p>
@@ -2261,6 +2289,7 @@
           <a:p>
             <a:fld id="{AF075C28-AD93-4B03-9A73-F263CFFF2BFC}" type="slidenum">
               <a:rPr lang="zh-CN" altLang="en-US" smtClean="0"/>
+              <a:t>‹#›</a:t>
             </a:fld>
             <a:endParaRPr lang="zh-CN" altLang="en-US"/>
           </a:p>
@@ -2271,11 +2300,11 @@
   <p:clrMapOvr>
     <a:masterClrMapping/>
   </p:clrMapOvr>
-  <mc:AlternateContent xmlns:mc="http://schemas.openxmlformats.org/markup-compatibility/2006">
-    <mc:Choice xmlns:p14="http://schemas.microsoft.com/office/powerpoint/2010/main" Requires="p14">
+  <mc:AlternateContent xmlns:mc="http://schemas.openxmlformats.org/markup-compatibility/2006" xmlns:p14="http://schemas.microsoft.com/office/powerpoint/2010/main">
+    <mc:Choice Requires="p14">
       <p:transition spd="slow" p14:dur="1600"/>
     </mc:Choice>
-    <mc:Fallback>
+    <mc:Fallback xmlns="">
       <p:transition spd="slow"/>
     </mc:Fallback>
   </mc:AlternateContent>
@@ -2316,6 +2345,7 @@
           <a:p>
             <a:fld id="{47496A82-8C58-4230-85E6-C1DB51D5629D}" type="datetimeFigureOut">
               <a:rPr lang="zh-CN" altLang="en-US" smtClean="0"/>
+              <a:t>2019/1/9</a:t>
             </a:fld>
             <a:endParaRPr lang="zh-CN" altLang="en-US"/>
           </a:p>
@@ -2357,6 +2387,7 @@
           <a:p>
             <a:fld id="{AF075C28-AD93-4B03-9A73-F263CFFF2BFC}" type="slidenum">
               <a:rPr lang="zh-CN" altLang="en-US" smtClean="0"/>
+              <a:t>‹#›</a:t>
             </a:fld>
             <a:endParaRPr lang="zh-CN" altLang="en-US"/>
           </a:p>
@@ -2367,11 +2398,11 @@
   <p:clrMapOvr>
     <a:masterClrMapping/>
   </p:clrMapOvr>
-  <mc:AlternateContent xmlns:mc="http://schemas.openxmlformats.org/markup-compatibility/2006">
-    <mc:Choice xmlns:p14="http://schemas.microsoft.com/office/powerpoint/2010/main" Requires="p14">
+  <mc:AlternateContent xmlns:mc="http://schemas.openxmlformats.org/markup-compatibility/2006" xmlns:p14="http://schemas.microsoft.com/office/powerpoint/2010/main">
+    <mc:Choice Requires="p14">
       <p:transition spd="slow" p14:dur="1600"/>
     </mc:Choice>
-    <mc:Fallback>
+    <mc:Fallback xmlns="">
       <p:transition spd="slow"/>
     </mc:Fallback>
   </mc:AlternateContent>
@@ -2412,6 +2443,7 @@
           <a:p>
             <a:fld id="{47496A82-8C58-4230-85E6-C1DB51D5629D}" type="datetimeFigureOut">
               <a:rPr lang="zh-CN" altLang="en-US" smtClean="0"/>
+              <a:t>2019/1/9</a:t>
             </a:fld>
             <a:endParaRPr lang="zh-CN" altLang="en-US"/>
           </a:p>
@@ -2453,6 +2485,7 @@
           <a:p>
             <a:fld id="{AF075C28-AD93-4B03-9A73-F263CFFF2BFC}" type="slidenum">
               <a:rPr lang="zh-CN" altLang="en-US" smtClean="0"/>
+              <a:t>‹#›</a:t>
             </a:fld>
             <a:endParaRPr lang="zh-CN" altLang="en-US"/>
           </a:p>
@@ -2463,11 +2496,11 @@
   <p:clrMapOvr>
     <a:masterClrMapping/>
   </p:clrMapOvr>
-  <mc:AlternateContent xmlns:mc="http://schemas.openxmlformats.org/markup-compatibility/2006">
-    <mc:Choice xmlns:p14="http://schemas.microsoft.com/office/powerpoint/2010/main" Requires="p14">
+  <mc:AlternateContent xmlns:mc="http://schemas.openxmlformats.org/markup-compatibility/2006" xmlns:p14="http://schemas.microsoft.com/office/powerpoint/2010/main">
+    <mc:Choice Requires="p14">
       <p:transition spd="slow" p14:dur="1600"/>
     </mc:Choice>
-    <mc:Fallback>
+    <mc:Fallback xmlns="">
       <p:transition spd="slow"/>
     </mc:Fallback>
   </mc:AlternateContent>
@@ -2531,6 +2564,7 @@
           <a:p>
             <a:fld id="{47496A82-8C58-4230-85E6-C1DB51D5629D}" type="datetimeFigureOut">
               <a:rPr lang="zh-CN" altLang="en-US" smtClean="0"/>
+              <a:t>2019/1/9</a:t>
             </a:fld>
             <a:endParaRPr lang="zh-CN" altLang="en-US"/>
           </a:p>
@@ -2608,6 +2642,7 @@
           <a:p>
             <a:fld id="{AF075C28-AD93-4B03-9A73-F263CFFF2BFC}" type="slidenum">
               <a:rPr lang="zh-CN" altLang="en-US" smtClean="0"/>
+              <a:t>‹#›</a:t>
             </a:fld>
             <a:endParaRPr lang="zh-CN" altLang="en-US"/>
           </a:p>
@@ -2629,21 +2664,14 @@
     <p:sldLayoutId id="2147483658" r:id="rId10"/>
     <p:sldLayoutId id="2147483659" r:id="rId11"/>
   </p:sldLayoutIdLst>
-  <mc:AlternateContent xmlns:mc="http://schemas.openxmlformats.org/markup-compatibility/2006">
-    <mc:Choice xmlns:p14="http://schemas.microsoft.com/office/powerpoint/2010/main" Requires="p14">
+  <mc:AlternateContent xmlns:mc="http://schemas.openxmlformats.org/markup-compatibility/2006" xmlns:p14="http://schemas.microsoft.com/office/powerpoint/2010/main">
+    <mc:Choice Requires="p14">
       <p:transition spd="slow" p14:dur="1600"/>
     </mc:Choice>
-    <mc:Fallback>
+    <mc:Fallback xmlns="">
       <p:transition spd="slow"/>
     </mc:Fallback>
   </mc:AlternateContent>
-  <p:timing>
-    <p:tnLst>
-      <p:par>
-        <p:cTn id="1" dur="indefinite" restart="never" nodeType="tmRoot"/>
-      </p:par>
-    </p:tnLst>
-  </p:timing>
   <p:txStyles>
     <p:titleStyle>
       <a:lvl1pPr algn="ctr" defTabSz="914400" rtl="0" eaLnBrk="1" latinLnBrk="0" hangingPunct="1">
@@ -2938,7 +2966,7 @@
           <a:p>
             <a:pPr algn="dist"/>
             <a:r>
-              <a:rPr lang="en-US" altLang="zh-CN" sz="3600" b="1" dirty="0" smtClean="0">
+              <a:rPr lang="en-US" altLang="zh-CN" sz="3600" b="1" dirty="0">
                 <a:solidFill>
                   <a:schemeClr val="tx2">
                     <a:lumMod val="75000"/>
@@ -2949,15 +2977,6 @@
               </a:rPr>
               <a:t>Visual Punk</a:t>
             </a:r>
-            <a:endParaRPr lang="en-US" altLang="zh-CN" sz="3600" b="1" dirty="0" smtClean="0">
-              <a:solidFill>
-                <a:schemeClr val="tx2">
-                  <a:lumMod val="75000"/>
-                </a:schemeClr>
-              </a:solidFill>
-              <a:latin typeface="微软雅黑" panose="020B0503020204020204" pitchFamily="34" charset="-122"/>
-              <a:ea typeface="微软雅黑" panose="020B0503020204020204" pitchFamily="34" charset="-122"/>
-            </a:endParaRPr>
           </a:p>
         </p:txBody>
       </p:sp>
@@ -3060,7 +3079,7 @@
           <a:p>
             <a:pPr algn="r"/>
             <a:r>
-              <a:rPr lang="en-US" altLang="zh-CN" sz="1200" dirty="0" smtClean="0">
+              <a:rPr lang="en-US" altLang="zh-CN" sz="1200" dirty="0">
                 <a:solidFill>
                   <a:schemeClr val="tx1">
                     <a:lumMod val="85000"/>
@@ -3069,17 +3088,32 @@
                 </a:solidFill>
                 <a:latin typeface="Bernard MT Condensed" panose="02050806060905020404" pitchFamily="18" charset="0"/>
               </a:rPr>
-              <a:t>郭智溢 万柯蓝 王枫 杨凯</a:t>
+              <a:t>郭智溢 万</a:t>
             </a:r>
-            <a:endParaRPr lang="en-US" altLang="zh-CN" sz="1200" dirty="0" smtClean="0">
-              <a:solidFill>
-                <a:schemeClr val="tx1">
-                  <a:lumMod val="85000"/>
-                  <a:lumOff val="15000"/>
-                </a:schemeClr>
-              </a:solidFill>
-              <a:latin typeface="Bernard MT Condensed" panose="02050806060905020404" pitchFamily="18" charset="0"/>
-            </a:endParaRPr>
+            <a:r>
+              <a:rPr lang="zh-CN" altLang="en-US" sz="1200" dirty="0">
+                <a:solidFill>
+                  <a:schemeClr val="tx1">
+                    <a:lumMod val="85000"/>
+                    <a:lumOff val="15000"/>
+                  </a:schemeClr>
+                </a:solidFill>
+                <a:latin typeface="Bernard MT Condensed" panose="02050806060905020404" pitchFamily="18" charset="0"/>
+              </a:rPr>
+              <a:t>珂</a:t>
+            </a:r>
+            <a:r>
+              <a:rPr lang="en-US" altLang="zh-CN" sz="1200" dirty="0">
+                <a:solidFill>
+                  <a:schemeClr val="tx1">
+                    <a:lumMod val="85000"/>
+                    <a:lumOff val="15000"/>
+                  </a:schemeClr>
+                </a:solidFill>
+                <a:latin typeface="Bernard MT Condensed" panose="02050806060905020404" pitchFamily="18" charset="0"/>
+              </a:rPr>
+              <a:t>蓝 王枫 杨凯</a:t>
+            </a:r>
           </a:p>
         </p:txBody>
       </p:sp>
@@ -4341,10 +4375,11 @@
           <a:bodyPr wrap="square" rtlCol="0">
             <a:spAutoFit/>
           </a:bodyPr>
+          <a:lstStyle/>
           <a:p>
             <a:pPr algn="dist"/>
             <a:r>
-              <a:rPr lang="en-US" altLang="zh-CN" sz="1400" b="1" dirty="0" smtClean="0">
+              <a:rPr lang="en-US" altLang="zh-CN" sz="1400" b="1" dirty="0">
                 <a:solidFill>
                   <a:schemeClr val="tx2">
                     <a:lumMod val="75000"/>
@@ -4355,15 +4390,6 @@
               </a:rPr>
               <a:t>2019.1.6</a:t>
             </a:r>
-            <a:endParaRPr lang="en-US" altLang="zh-CN" sz="1400" b="1" dirty="0" smtClean="0">
-              <a:solidFill>
-                <a:schemeClr val="tx2">
-                  <a:lumMod val="75000"/>
-                </a:schemeClr>
-              </a:solidFill>
-              <a:latin typeface="微软雅黑" panose="020B0503020204020204" pitchFamily="34" charset="-122"/>
-              <a:ea typeface="微软雅黑" panose="020B0503020204020204" pitchFamily="34" charset="-122"/>
-            </a:endParaRPr>
           </a:p>
         </p:txBody>
       </p:sp>
@@ -6560,7 +6586,7 @@
                         <p:par>
                           <p:cTn id="127" fill="hold">
                             <p:stCondLst>
-                              <p:cond delay="3700"/>
+                              <p:cond delay="4400"/>
                             </p:stCondLst>
                             <p:childTnLst>
                               <p:par>
@@ -6604,7 +6630,7 @@
                         <p:par>
                           <p:cTn id="131" fill="hold">
                             <p:stCondLst>
-                              <p:cond delay="4700"/>
+                              <p:cond delay="5400"/>
                             </p:stCondLst>
                             <p:childTnLst>
                               <p:par>
@@ -6887,16 +6913,6 @@
               </a:rPr>
               <a:t>数据选取</a:t>
             </a:r>
-            <a:endParaRPr lang="zh-CN" altLang="en-US" sz="1800" b="1" dirty="0">
-              <a:solidFill>
-                <a:schemeClr val="tx1">
-                  <a:lumMod val="75000"/>
-                  <a:lumOff val="25000"/>
-                </a:schemeClr>
-              </a:solidFill>
-              <a:latin typeface="微软雅黑" panose="020B0503020204020204" pitchFamily="34" charset="-122"/>
-              <a:ea typeface="微软雅黑" panose="020B0503020204020204" pitchFamily="34" charset="-122"/>
-            </a:endParaRPr>
           </a:p>
         </p:txBody>
       </p:sp>
@@ -6922,7 +6938,7 @@
           <a:lstStyle/>
           <a:p>
             <a:r>
-              <a:rPr lang="en-US" altLang="zh-CN" sz="1600" dirty="0" smtClean="0">
+              <a:rPr lang="en-US" altLang="zh-CN" sz="1600" dirty="0">
                 <a:solidFill>
                   <a:schemeClr val="tx1">
                     <a:lumMod val="50000"/>
@@ -6933,15 +6949,6 @@
               </a:rPr>
               <a:t>Visual Punk</a:t>
             </a:r>
-            <a:endParaRPr lang="en-US" altLang="zh-CN" sz="1600" dirty="0" smtClean="0">
-              <a:solidFill>
-                <a:schemeClr val="tx1">
-                  <a:lumMod val="50000"/>
-                  <a:lumOff val="50000"/>
-                </a:schemeClr>
-              </a:solidFill>
-              <a:latin typeface="Impact" panose="020B0806030902050204" pitchFamily="34" charset="0"/>
-            </a:endParaRPr>
           </a:p>
         </p:txBody>
       </p:sp>
@@ -7298,7 +7305,7 @@
           <p:nvPr/>
         </p:nvPicPr>
         <p:blipFill>
-          <a:blip r:embed="rId1"/>
+          <a:blip r:embed="rId3"/>
           <a:stretch>
             <a:fillRect/>
           </a:stretch>
@@ -7318,21 +7325,14 @@
   <p:clrMapOvr>
     <a:masterClrMapping/>
   </p:clrMapOvr>
-  <mc:AlternateContent xmlns:mc="http://schemas.openxmlformats.org/markup-compatibility/2006">
-    <mc:Choice xmlns:p14="http://schemas.microsoft.com/office/powerpoint/2010/main" Requires="p14">
+  <mc:AlternateContent xmlns:mc="http://schemas.openxmlformats.org/markup-compatibility/2006" xmlns:p14="http://schemas.microsoft.com/office/powerpoint/2010/main">
+    <mc:Choice Requires="p14">
       <p:transition spd="slow" p14:dur="1600"/>
     </mc:Choice>
-    <mc:Fallback>
+    <mc:Fallback xmlns="">
       <p:transition spd="slow"/>
     </mc:Fallback>
   </mc:AlternateContent>
-  <p:timing>
-    <p:tnLst>
-      <p:par>
-        <p:cTn id="1" dur="indefinite" restart="never" nodeType="tmRoot"/>
-      </p:par>
-    </p:tnLst>
-  </p:timing>
 </p:sld>
 </file>
 
@@ -7364,7 +7364,7 @@
         <p:spPr bwMode="auto">
           <a:xfrm>
             <a:off x="873125" y="1292860"/>
-            <a:ext cx="7305675" cy="951865"/>
+            <a:ext cx="7305675" cy="2998884"/>
           </a:xfrm>
           <a:prstGeom prst="rect">
             <a:avLst/>
@@ -7432,7 +7432,63 @@
               </a:rPr>
               <a:t>+ 濒危动物交易量有所下降</a:t>
             </a:r>
-            <a:endParaRPr sz="1600" dirty="0">
+          </a:p>
+          <a:p>
+            <a:pPr>
+              <a:lnSpc>
+                <a:spcPct val="120000"/>
+              </a:lnSpc>
+            </a:pPr>
+            <a:r>
+              <a:rPr sz="1600" dirty="0">
+                <a:solidFill>
+                  <a:schemeClr val="tx1">
+                    <a:lumMod val="65000"/>
+                    <a:lumOff val="35000"/>
+                  </a:schemeClr>
+                </a:solidFill>
+                <a:latin typeface="微软雅黑" panose="020B0503020204020204" pitchFamily="34" charset="-122"/>
+                <a:ea typeface="微软雅黑" panose="020B0503020204020204" pitchFamily="34" charset="-122"/>
+                <a:cs typeface="Leelawadee" panose="020B0502040204020203" pitchFamily="34" charset="-34"/>
+              </a:rPr>
+              <a:t> + 商业用途与个人用途始终占据主流 ,商业性狩猎与科研比重有所增加</a:t>
+            </a:r>
+          </a:p>
+          <a:p>
+            <a:pPr>
+              <a:lnSpc>
+                <a:spcPct val="120000"/>
+              </a:lnSpc>
+            </a:pPr>
+            <a:r>
+              <a:rPr sz="1600" dirty="0">
+                <a:solidFill>
+                  <a:schemeClr val="tx1">
+                    <a:lumMod val="65000"/>
+                    <a:lumOff val="35000"/>
+                  </a:schemeClr>
+                </a:solidFill>
+                <a:latin typeface="微软雅黑" panose="020B0503020204020204" pitchFamily="34" charset="-122"/>
+                <a:ea typeface="微软雅黑" panose="020B0503020204020204" pitchFamily="34" charset="-122"/>
+                <a:cs typeface="Leelawadee" panose="020B0502040204020203" pitchFamily="34" charset="-34"/>
+              </a:rPr>
+              <a:t> + </a:t>
+            </a:r>
+            <a:r>
+              <a:rPr sz="1600" dirty="0" err="1">
+                <a:solidFill>
+                  <a:schemeClr val="tx1">
+                    <a:lumMod val="65000"/>
+                    <a:lumOff val="35000"/>
+                  </a:schemeClr>
+                </a:solidFill>
+                <a:latin typeface="微软雅黑" panose="020B0503020204020204" pitchFamily="34" charset="-122"/>
+                <a:ea typeface="微软雅黑" panose="020B0503020204020204" pitchFamily="34" charset="-122"/>
+                <a:cs typeface="Leelawadee" panose="020B0502040204020203" pitchFamily="34" charset="-34"/>
+              </a:rPr>
+              <a:t>进口国家大多为欧美发达国家或者人口大国，中国印度排名上升较快</a:t>
+            </a:r>
+            <a:endParaRPr lang="en-US" altLang="zh-CN" sz="1600" dirty="0">
               <a:solidFill>
                 <a:schemeClr val="tx1">
                   <a:lumMod val="65000"/>
@@ -7451,7 +7507,7 @@
               </a:lnSpc>
             </a:pPr>
             <a:r>
-              <a:rPr sz="1600" dirty="0">
+              <a:rPr lang="en-US" altLang="zh-CN" sz="1600" dirty="0">
                 <a:solidFill>
                   <a:schemeClr val="tx1">
                     <a:lumMod val="65000"/>
@@ -7462,9 +7518,23 @@
                 <a:ea typeface="微软雅黑" panose="020B0503020204020204" pitchFamily="34" charset="-122"/>
                 <a:cs typeface="Leelawadee" panose="020B0502040204020203" pitchFamily="34" charset="-34"/>
               </a:rPr>
-              <a:t> + 商业用途与个人用途始终占据主流 ,商业性狩猎与科研比重有所增加</a:t>
+              <a:t> + </a:t>
             </a:r>
-            <a:endParaRPr sz="1600" dirty="0">
+            <a:r>
+              <a:rPr lang="zh-CN" altLang="en-US" sz="1600" dirty="0">
+                <a:solidFill>
+                  <a:schemeClr val="tx1">
+                    <a:lumMod val="65000"/>
+                    <a:lumOff val="35000"/>
+                  </a:schemeClr>
+                </a:solidFill>
+                <a:latin typeface="微软雅黑" panose="020B0503020204020204" pitchFamily="34" charset="-122"/>
+                <a:ea typeface="微软雅黑" panose="020B0503020204020204" pitchFamily="34" charset="-122"/>
+                <a:cs typeface="Leelawadee" panose="020B0502040204020203" pitchFamily="34" charset="-34"/>
+              </a:rPr>
+              <a:t>进出口植物占比较大</a:t>
+            </a:r>
+            <a:endParaRPr lang="en-US" altLang="zh-CN" sz="1600" dirty="0">
               <a:solidFill>
                 <a:schemeClr val="tx1">
                   <a:lumMod val="65000"/>
@@ -7482,8 +7552,44 @@
                 <a:spcPct val="120000"/>
               </a:lnSpc>
             </a:pPr>
+            <a:endParaRPr lang="en-US" altLang="zh-CN" sz="1600" dirty="0">
+              <a:solidFill>
+                <a:schemeClr val="tx1">
+                  <a:lumMod val="65000"/>
+                  <a:lumOff val="35000"/>
+                </a:schemeClr>
+              </a:solidFill>
+              <a:latin typeface="微软雅黑" panose="020B0503020204020204" pitchFamily="34" charset="-122"/>
+              <a:ea typeface="微软雅黑" panose="020B0503020204020204" pitchFamily="34" charset="-122"/>
+              <a:cs typeface="Leelawadee" panose="020B0502040204020203" pitchFamily="34" charset="-34"/>
+            </a:endParaRPr>
+          </a:p>
+          <a:p>
+            <a:pPr>
+              <a:lnSpc>
+                <a:spcPct val="120000"/>
+              </a:lnSpc>
+            </a:pPr>
+            <a:endParaRPr lang="en-US" altLang="zh-CN" sz="1600" dirty="0">
+              <a:solidFill>
+                <a:schemeClr val="tx1">
+                  <a:lumMod val="65000"/>
+                  <a:lumOff val="35000"/>
+                </a:schemeClr>
+              </a:solidFill>
+              <a:latin typeface="微软雅黑" panose="020B0503020204020204" pitchFamily="34" charset="-122"/>
+              <a:ea typeface="微软雅黑" panose="020B0503020204020204" pitchFamily="34" charset="-122"/>
+              <a:cs typeface="Leelawadee" panose="020B0502040204020203" pitchFamily="34" charset="-34"/>
+            </a:endParaRPr>
+          </a:p>
+          <a:p>
+            <a:pPr>
+              <a:lnSpc>
+                <a:spcPct val="120000"/>
+              </a:lnSpc>
+            </a:pPr>
             <a:r>
-              <a:rPr sz="1600" dirty="0">
+              <a:rPr lang="en-US" altLang="zh-CN" sz="1600" dirty="0">
                 <a:solidFill>
                   <a:schemeClr val="tx1">
                     <a:lumMod val="65000"/>
@@ -7494,7 +7600,159 @@
                 <a:ea typeface="微软雅黑" panose="020B0503020204020204" pitchFamily="34" charset="-122"/>
                 <a:cs typeface="Leelawadee" panose="020B0502040204020203" pitchFamily="34" charset="-34"/>
               </a:rPr>
-              <a:t> + 进口国家大多为欧美发达国家或者人口大国，中国印度排名上升较快</a:t>
+              <a:t> </a:t>
+            </a:r>
+            <a:r>
+              <a:rPr lang="zh-CN" altLang="en-US" sz="1600" dirty="0">
+                <a:solidFill>
+                  <a:schemeClr val="tx1">
+                    <a:lumMod val="65000"/>
+                    <a:lumOff val="35000"/>
+                  </a:schemeClr>
+                </a:solidFill>
+                <a:latin typeface="微软雅黑" panose="020B0503020204020204" pitchFamily="34" charset="-122"/>
+                <a:ea typeface="微软雅黑" panose="020B0503020204020204" pitchFamily="34" charset="-122"/>
+                <a:cs typeface="Leelawadee" panose="020B0502040204020203" pitchFamily="34" charset="-34"/>
+              </a:rPr>
+              <a:t>项目的不足：</a:t>
+            </a:r>
+            <a:endParaRPr lang="en-US" altLang="zh-CN" sz="1600" dirty="0">
+              <a:solidFill>
+                <a:schemeClr val="tx1">
+                  <a:lumMod val="65000"/>
+                  <a:lumOff val="35000"/>
+                </a:schemeClr>
+              </a:solidFill>
+              <a:latin typeface="微软雅黑" panose="020B0503020204020204" pitchFamily="34" charset="-122"/>
+              <a:ea typeface="微软雅黑" panose="020B0503020204020204" pitchFamily="34" charset="-122"/>
+              <a:cs typeface="Leelawadee" panose="020B0502040204020203" pitchFamily="34" charset="-34"/>
+            </a:endParaRPr>
+          </a:p>
+          <a:p>
+            <a:pPr>
+              <a:lnSpc>
+                <a:spcPct val="120000"/>
+              </a:lnSpc>
+            </a:pPr>
+            <a:r>
+              <a:rPr lang="en-US" altLang="zh-CN" sz="1600" dirty="0">
+                <a:solidFill>
+                  <a:schemeClr val="tx1">
+                    <a:lumMod val="65000"/>
+                    <a:lumOff val="35000"/>
+                  </a:schemeClr>
+                </a:solidFill>
+                <a:latin typeface="微软雅黑" panose="020B0503020204020204" pitchFamily="34" charset="-122"/>
+                <a:ea typeface="微软雅黑" panose="020B0503020204020204" pitchFamily="34" charset="-122"/>
+                <a:cs typeface="Leelawadee" panose="020B0502040204020203" pitchFamily="34" charset="-34"/>
+              </a:rPr>
+              <a:t> + </a:t>
+            </a:r>
+            <a:r>
+              <a:rPr lang="zh-CN" altLang="en-US" sz="1600" dirty="0">
+                <a:solidFill>
+                  <a:schemeClr val="tx1">
+                    <a:lumMod val="65000"/>
+                    <a:lumOff val="35000"/>
+                  </a:schemeClr>
+                </a:solidFill>
+                <a:latin typeface="微软雅黑" panose="020B0503020204020204" pitchFamily="34" charset="-122"/>
+                <a:ea typeface="微软雅黑" panose="020B0503020204020204" pitchFamily="34" charset="-122"/>
+                <a:cs typeface="Leelawadee" panose="020B0502040204020203" pitchFamily="34" charset="-34"/>
+              </a:rPr>
+              <a:t>对动植物的知识不足无法分析的更全面</a:t>
+            </a:r>
+            <a:endParaRPr lang="en-US" altLang="zh-CN" sz="1600" dirty="0">
+              <a:solidFill>
+                <a:schemeClr val="tx1">
+                  <a:lumMod val="65000"/>
+                  <a:lumOff val="35000"/>
+                </a:schemeClr>
+              </a:solidFill>
+              <a:latin typeface="微软雅黑" panose="020B0503020204020204" pitchFamily="34" charset="-122"/>
+              <a:ea typeface="微软雅黑" panose="020B0503020204020204" pitchFamily="34" charset="-122"/>
+              <a:cs typeface="Leelawadee" panose="020B0502040204020203" pitchFamily="34" charset="-34"/>
+            </a:endParaRPr>
+          </a:p>
+          <a:p>
+            <a:pPr>
+              <a:lnSpc>
+                <a:spcPct val="120000"/>
+              </a:lnSpc>
+            </a:pPr>
+            <a:r>
+              <a:rPr lang="en-US" altLang="zh-CN" sz="1600" dirty="0">
+                <a:solidFill>
+                  <a:schemeClr val="tx1">
+                    <a:lumMod val="65000"/>
+                    <a:lumOff val="35000"/>
+                  </a:schemeClr>
+                </a:solidFill>
+                <a:latin typeface="微软雅黑" panose="020B0503020204020204" pitchFamily="34" charset="-122"/>
+                <a:ea typeface="微软雅黑" panose="020B0503020204020204" pitchFamily="34" charset="-122"/>
+                <a:cs typeface="Leelawadee" panose="020B0502040204020203" pitchFamily="34" charset="-34"/>
+              </a:rPr>
+              <a:t> + </a:t>
+            </a:r>
+            <a:r>
+              <a:rPr lang="zh-CN" altLang="en-US" sz="1600" dirty="0">
+                <a:solidFill>
+                  <a:schemeClr val="tx1">
+                    <a:lumMod val="65000"/>
+                    <a:lumOff val="35000"/>
+                  </a:schemeClr>
+                </a:solidFill>
+                <a:latin typeface="微软雅黑" panose="020B0503020204020204" pitchFamily="34" charset="-122"/>
+                <a:ea typeface="微软雅黑" panose="020B0503020204020204" pitchFamily="34" charset="-122"/>
+                <a:cs typeface="Leelawadee" panose="020B0502040204020203" pitchFamily="34" charset="-34"/>
+              </a:rPr>
+              <a:t>动植物中英文名对照表工作量比较大，没法更直观的表达数据</a:t>
+            </a:r>
+            <a:endParaRPr lang="en-US" altLang="zh-CN" sz="1600" dirty="0">
+              <a:solidFill>
+                <a:schemeClr val="tx1">
+                  <a:lumMod val="65000"/>
+                  <a:lumOff val="35000"/>
+                </a:schemeClr>
+              </a:solidFill>
+              <a:latin typeface="微软雅黑" panose="020B0503020204020204" pitchFamily="34" charset="-122"/>
+              <a:ea typeface="微软雅黑" panose="020B0503020204020204" pitchFamily="34" charset="-122"/>
+              <a:cs typeface="Leelawadee" panose="020B0502040204020203" pitchFamily="34" charset="-34"/>
+            </a:endParaRPr>
+          </a:p>
+          <a:p>
+            <a:pPr>
+              <a:lnSpc>
+                <a:spcPct val="120000"/>
+              </a:lnSpc>
+            </a:pPr>
+            <a:r>
+              <a:rPr lang="en-US" altLang="zh-CN" sz="1600" dirty="0">
+                <a:solidFill>
+                  <a:schemeClr val="tx1">
+                    <a:lumMod val="65000"/>
+                    <a:lumOff val="35000"/>
+                  </a:schemeClr>
+                </a:solidFill>
+                <a:latin typeface="微软雅黑" panose="020B0503020204020204" pitchFamily="34" charset="-122"/>
+                <a:ea typeface="微软雅黑" panose="020B0503020204020204" pitchFamily="34" charset="-122"/>
+                <a:cs typeface="Leelawadee" panose="020B0502040204020203" pitchFamily="34" charset="-34"/>
+              </a:rPr>
+              <a:t> + </a:t>
+            </a:r>
+            <a:r>
+              <a:rPr lang="zh-CN" altLang="en-US" sz="1600" dirty="0">
+                <a:solidFill>
+                  <a:schemeClr val="tx1">
+                    <a:lumMod val="65000"/>
+                    <a:lumOff val="35000"/>
+                  </a:schemeClr>
+                </a:solidFill>
+                <a:latin typeface="微软雅黑" panose="020B0503020204020204" pitchFamily="34" charset="-122"/>
+                <a:ea typeface="微软雅黑" panose="020B0503020204020204" pitchFamily="34" charset="-122"/>
+                <a:cs typeface="Leelawadee" panose="020B0502040204020203" pitchFamily="34" charset="-34"/>
+              </a:rPr>
+              <a:t>数据量较大，但数据维度较小，可供分析的面较少</a:t>
             </a:r>
             <a:endParaRPr sz="1600" dirty="0">
               <a:solidFill>
@@ -7713,7 +7971,7 @@
           <a:lstStyle/>
           <a:p>
             <a:r>
-              <a:rPr lang="en-US" altLang="zh-CN" sz="1600" dirty="0" smtClean="0">
+              <a:rPr lang="en-US" altLang="zh-CN" sz="1600" dirty="0">
                 <a:solidFill>
                   <a:schemeClr val="tx1">
                     <a:lumMod val="50000"/>
@@ -7724,15 +7982,6 @@
               </a:rPr>
               <a:t>Visual Punk</a:t>
             </a:r>
-            <a:endParaRPr lang="en-US" altLang="zh-CN" sz="1600" dirty="0" smtClean="0">
-              <a:solidFill>
-                <a:schemeClr val="tx1">
-                  <a:lumMod val="50000"/>
-                  <a:lumOff val="50000"/>
-                </a:schemeClr>
-              </a:solidFill>
-              <a:latin typeface="Impact" panose="020B0806030902050204" pitchFamily="34" charset="0"/>
-            </a:endParaRPr>
           </a:p>
         </p:txBody>
       </p:sp>
@@ -8085,21 +8334,14 @@
   <p:clrMapOvr>
     <a:masterClrMapping/>
   </p:clrMapOvr>
-  <mc:AlternateContent xmlns:mc="http://schemas.openxmlformats.org/markup-compatibility/2006">
-    <mc:Choice xmlns:p14="http://schemas.microsoft.com/office/powerpoint/2010/main" Requires="p14">
+  <mc:AlternateContent xmlns:mc="http://schemas.openxmlformats.org/markup-compatibility/2006" xmlns:p14="http://schemas.microsoft.com/office/powerpoint/2010/main">
+    <mc:Choice Requires="p14">
       <p:transition spd="slow" p14:dur="1600"/>
     </mc:Choice>
-    <mc:Fallback>
+    <mc:Fallback xmlns="">
       <p:transition spd="slow"/>
     </mc:Fallback>
   </mc:AlternateContent>
-  <p:timing>
-    <p:tnLst>
-      <p:par>
-        <p:cTn id="1" dur="indefinite" restart="never" nodeType="tmRoot"/>
-      </p:par>
-    </p:tnLst>
-  </p:timing>
 </p:sld>
 </file>
 
@@ -8109,7 +8351,7 @@
     <p:bg>
       <p:bgPr>
         <a:blipFill dpi="0" rotWithShape="1">
-          <a:blip r:embed="rId1">
+          <a:blip r:embed="rId3">
             <a:lum/>
           </a:blip>
           <a:srcRect/>
@@ -8158,7 +8400,7 @@
           <a:p>
             <a:pPr algn="ctr"/>
             <a:r>
-              <a:rPr lang="en-US" altLang="zh-CN" sz="4400" spc="500" dirty="0" smtClean="0">
+              <a:rPr lang="en-US" altLang="zh-CN" sz="4400" spc="500" dirty="0">
                 <a:solidFill>
                   <a:schemeClr val="bg1"/>
                 </a:solidFill>
@@ -8167,7 +8409,7 @@
               </a:rPr>
               <a:t>THANKS</a:t>
             </a:r>
-            <a:endParaRPr lang="zh-CN" altLang="en-US" sz="4400" spc="500" dirty="0" smtClean="0">
+            <a:endParaRPr lang="zh-CN" altLang="en-US" sz="4400" spc="500" dirty="0">
               <a:solidFill>
                 <a:schemeClr val="bg1"/>
               </a:solidFill>
@@ -8272,7 +8514,7 @@
           <a:lstStyle/>
           <a:p>
             <a:r>
-              <a:rPr lang="zh-CN" altLang="en-US" sz="1100" dirty="0" smtClean="0">
+              <a:rPr lang="zh-CN" altLang="en-US" sz="1100" dirty="0">
                 <a:solidFill>
                   <a:schemeClr val="bg1"/>
                 </a:solidFill>
@@ -8281,13 +8523,6 @@
               </a:rPr>
               <a:t>感谢大家观看</a:t>
             </a:r>
-            <a:endParaRPr lang="zh-CN" altLang="en-US" sz="1100" dirty="0">
-              <a:solidFill>
-                <a:schemeClr val="bg1"/>
-              </a:solidFill>
-              <a:latin typeface="微软雅黑" panose="020B0503020204020204" pitchFamily="34" charset="-122"/>
-              <a:ea typeface="微软雅黑" panose="020B0503020204020204" pitchFamily="34" charset="-122"/>
-            </a:endParaRPr>
           </a:p>
         </p:txBody>
       </p:sp>
@@ -8314,7 +8549,7 @@
           <a:p>
             <a:pPr algn="dist"/>
             <a:r>
-              <a:rPr lang="en-US" altLang="zh-CN" sz="1000" dirty="0" smtClean="0">
+              <a:rPr lang="en-US" altLang="zh-CN" sz="1000" dirty="0">
                 <a:solidFill>
                   <a:schemeClr val="bg1"/>
                 </a:solidFill>
@@ -8454,7 +8689,7 @@
         <p:spPr bwMode="auto">
           <a:xfrm>
             <a:off x="873125" y="1292860"/>
-            <a:ext cx="7018655" cy="1837055"/>
+            <a:ext cx="7018655" cy="2998884"/>
           </a:xfrm>
           <a:prstGeom prst="rect">
             <a:avLst/>
@@ -8564,17 +8799,6 @@
               </a:rPr>
               <a:t>unk</a:t>
             </a:r>
-            <a:endParaRPr lang="zh-CN" altLang="en-US" sz="1600" dirty="0">
-              <a:solidFill>
-                <a:schemeClr val="tx1">
-                  <a:lumMod val="65000"/>
-                  <a:lumOff val="35000"/>
-                </a:schemeClr>
-              </a:solidFill>
-              <a:latin typeface="微软雅黑" panose="020B0503020204020204" pitchFamily="34" charset="-122"/>
-              <a:ea typeface="微软雅黑" panose="020B0503020204020204" pitchFamily="34" charset="-122"/>
-              <a:cs typeface="Leelawadee" panose="020B0502040204020203" pitchFamily="34" charset="-34"/>
-            </a:endParaRPr>
           </a:p>
           <a:p>
             <a:pPr>
@@ -8614,7 +8838,70 @@
               </a:rPr>
               <a:t>组员分工：郭智溢  数据清洗、服务端后台实现</a:t>
             </a:r>
-            <a:endParaRPr lang="zh-CN" altLang="en-US" sz="1600" dirty="0">
+          </a:p>
+          <a:p>
+            <a:pPr>
+              <a:lnSpc>
+                <a:spcPct val="120000"/>
+              </a:lnSpc>
+            </a:pPr>
+            <a:r>
+              <a:rPr lang="zh-CN" altLang="en-US" sz="1600" dirty="0">
+                <a:solidFill>
+                  <a:schemeClr val="tx1">
+                    <a:lumMod val="65000"/>
+                    <a:lumOff val="35000"/>
+                  </a:schemeClr>
+                </a:solidFill>
+                <a:latin typeface="微软雅黑" panose="020B0503020204020204" pitchFamily="34" charset="-122"/>
+                <a:ea typeface="微软雅黑" panose="020B0503020204020204" pitchFamily="34" charset="-122"/>
+                <a:cs typeface="Leelawadee" panose="020B0502040204020203" pitchFamily="34" charset="-34"/>
+              </a:rPr>
+              <a:t>                 万珂蓝  界面设计、前端实现、数据项选取、数据收集</a:t>
+            </a:r>
+          </a:p>
+          <a:p>
+            <a:pPr>
+              <a:lnSpc>
+                <a:spcPct val="120000"/>
+              </a:lnSpc>
+            </a:pPr>
+            <a:r>
+              <a:rPr lang="zh-CN" altLang="en-US" sz="1600" dirty="0">
+                <a:solidFill>
+                  <a:schemeClr val="tx1">
+                    <a:lumMod val="65000"/>
+                    <a:lumOff val="35000"/>
+                  </a:schemeClr>
+                </a:solidFill>
+                <a:latin typeface="微软雅黑" panose="020B0503020204020204" pitchFamily="34" charset="-122"/>
+                <a:ea typeface="微软雅黑" panose="020B0503020204020204" pitchFamily="34" charset="-122"/>
+                <a:cs typeface="Leelawadee" panose="020B0502040204020203" pitchFamily="34" charset="-34"/>
+              </a:rPr>
+              <a:t>                 王枫     界面设计、数据对照表制作</a:t>
+            </a:r>
+          </a:p>
+          <a:p>
+            <a:pPr>
+              <a:lnSpc>
+                <a:spcPct val="120000"/>
+              </a:lnSpc>
+            </a:pPr>
+            <a:r>
+              <a:rPr lang="zh-CN" altLang="en-US" sz="1600" dirty="0">
+                <a:solidFill>
+                  <a:schemeClr val="tx1">
+                    <a:lumMod val="65000"/>
+                    <a:lumOff val="35000"/>
+                  </a:schemeClr>
+                </a:solidFill>
+                <a:latin typeface="微软雅黑" panose="020B0503020204020204" pitchFamily="34" charset="-122"/>
+                <a:ea typeface="微软雅黑" panose="020B0503020204020204" pitchFamily="34" charset="-122"/>
+                <a:cs typeface="Leelawadee" panose="020B0502040204020203" pitchFamily="34" charset="-34"/>
+              </a:rPr>
+              <a:t>                 杨凯     前端技术实验、文档、PPT制作</a:t>
+            </a:r>
+            <a:endParaRPr lang="en-US" altLang="zh-CN" sz="1600" dirty="0">
               <a:solidFill>
                 <a:schemeClr val="tx1">
                   <a:lumMod val="65000"/>
@@ -8644,9 +8931,9 @@
                 <a:ea typeface="微软雅黑" panose="020B0503020204020204" pitchFamily="34" charset="-122"/>
                 <a:cs typeface="Leelawadee" panose="020B0502040204020203" pitchFamily="34" charset="-34"/>
               </a:rPr>
-              <a:t>                 万柯蓝  界面设计、前端实现、数据项选取、数据收集</a:t>
+              <a:t>项目地址：</a:t>
             </a:r>
-            <a:endParaRPr lang="zh-CN" altLang="en-US" sz="1600" dirty="0">
+            <a:endParaRPr lang="en-US" altLang="zh-CN" sz="1600" dirty="0">
               <a:solidFill>
                 <a:schemeClr val="tx1">
                   <a:lumMod val="65000"/>
@@ -8665,7 +8952,7 @@
               </a:lnSpc>
             </a:pPr>
             <a:r>
-              <a:rPr lang="zh-CN" altLang="en-US" sz="1600" dirty="0">
+              <a:rPr lang="en-US" altLang="zh-CN" sz="1600" dirty="0">
                 <a:solidFill>
                   <a:schemeClr val="tx1">
                     <a:lumMod val="65000"/>
@@ -8676,19 +8963,8 @@
                 <a:ea typeface="微软雅黑" panose="020B0503020204020204" pitchFamily="34" charset="-122"/>
                 <a:cs typeface="Leelawadee" panose="020B0502040204020203" pitchFamily="34" charset="-34"/>
               </a:rPr>
-              <a:t>                 王枫     界面设计、数据对照表制作</a:t>
+              <a:t>http://66.42.44.7:5000</a:t>
             </a:r>
-            <a:endParaRPr lang="zh-CN" altLang="en-US" sz="1600" dirty="0">
-              <a:solidFill>
-                <a:schemeClr val="tx1">
-                  <a:lumMod val="65000"/>
-                  <a:lumOff val="35000"/>
-                </a:schemeClr>
-              </a:solidFill>
-              <a:latin typeface="微软雅黑" panose="020B0503020204020204" pitchFamily="34" charset="-122"/>
-              <a:ea typeface="微软雅黑" panose="020B0503020204020204" pitchFamily="34" charset="-122"/>
-              <a:cs typeface="Leelawadee" panose="020B0502040204020203" pitchFamily="34" charset="-34"/>
-            </a:endParaRPr>
           </a:p>
           <a:p>
             <a:pPr>
@@ -8708,7 +8984,21 @@
                 <a:ea typeface="微软雅黑" panose="020B0503020204020204" pitchFamily="34" charset="-122"/>
                 <a:cs typeface="Leelawadee" panose="020B0502040204020203" pitchFamily="34" charset="-34"/>
               </a:rPr>
-              <a:t>                 杨凯     前端技术实验、文档、PPT制作</a:t>
+              <a:t>项目仓库：</a:t>
+            </a:r>
+            <a:r>
+              <a:rPr lang="en-US" altLang="zh-CN" sz="1600" dirty="0">
+                <a:solidFill>
+                  <a:schemeClr val="tx1">
+                    <a:lumMod val="65000"/>
+                    <a:lumOff val="35000"/>
+                  </a:schemeClr>
+                </a:solidFill>
+                <a:latin typeface="微软雅黑" panose="020B0503020204020204" pitchFamily="34" charset="-122"/>
+                <a:ea typeface="微软雅黑" panose="020B0503020204020204" pitchFamily="34" charset="-122"/>
+                <a:cs typeface="Leelawadee" panose="020B0502040204020203" pitchFamily="34" charset="-34"/>
+              </a:rPr>
+              <a:t>https://github.com/FontaineGuo/DataVisualization_LessonProject</a:t>
             </a:r>
             <a:endParaRPr lang="zh-CN" altLang="en-US" sz="1600" dirty="0">
               <a:solidFill>
@@ -8890,16 +9180,6 @@
               </a:rPr>
               <a:t>小组介绍</a:t>
             </a:r>
-            <a:endParaRPr lang="zh-CN" altLang="en-US" sz="1800" b="1" dirty="0">
-              <a:solidFill>
-                <a:schemeClr val="tx1">
-                  <a:lumMod val="75000"/>
-                  <a:lumOff val="25000"/>
-                </a:schemeClr>
-              </a:solidFill>
-              <a:latin typeface="微软雅黑" panose="020B0503020204020204" pitchFamily="34" charset="-122"/>
-              <a:ea typeface="微软雅黑" panose="020B0503020204020204" pitchFamily="34" charset="-122"/>
-            </a:endParaRPr>
           </a:p>
         </p:txBody>
       </p:sp>
@@ -8925,7 +9205,7 @@
           <a:lstStyle/>
           <a:p>
             <a:r>
-              <a:rPr lang="en-US" altLang="zh-CN" sz="1600" dirty="0" smtClean="0">
+              <a:rPr lang="en-US" altLang="zh-CN" sz="1600" dirty="0">
                 <a:solidFill>
                   <a:schemeClr val="tx1">
                     <a:lumMod val="50000"/>
@@ -8936,15 +9216,6 @@
               </a:rPr>
               <a:t>Visual Punk</a:t>
             </a:r>
-            <a:endParaRPr lang="en-US" altLang="zh-CN" sz="1600" dirty="0" smtClean="0">
-              <a:solidFill>
-                <a:schemeClr val="tx1">
-                  <a:lumMod val="50000"/>
-                  <a:lumOff val="50000"/>
-                </a:schemeClr>
-              </a:solidFill>
-              <a:latin typeface="Impact" panose="020B0806030902050204" pitchFamily="34" charset="0"/>
-            </a:endParaRPr>
           </a:p>
         </p:txBody>
       </p:sp>
@@ -9297,21 +9568,14 @@
   <p:clrMapOvr>
     <a:masterClrMapping/>
   </p:clrMapOvr>
-  <mc:AlternateContent xmlns:mc="http://schemas.openxmlformats.org/markup-compatibility/2006">
-    <mc:Choice xmlns:p14="http://schemas.microsoft.com/office/powerpoint/2010/main" Requires="p14">
+  <mc:AlternateContent xmlns:mc="http://schemas.openxmlformats.org/markup-compatibility/2006" xmlns:p14="http://schemas.microsoft.com/office/powerpoint/2010/main">
+    <mc:Choice Requires="p14">
       <p:transition spd="slow" p14:dur="1600"/>
     </mc:Choice>
-    <mc:Fallback>
+    <mc:Fallback xmlns="">
       <p:transition spd="slow"/>
     </mc:Fallback>
   </mc:AlternateContent>
-  <p:timing>
-    <p:tnLst>
-      <p:par>
-        <p:cTn id="1" dur="indefinite" restart="never" nodeType="tmRoot"/>
-      </p:par>
-    </p:tnLst>
-  </p:timing>
 </p:sld>
 </file>
 
@@ -9397,17 +9661,6 @@
               </a:rPr>
               <a:t>通过国际濒危物种贸易公约cites濒危动物进出口数据来分析濒危动物进出口流向、以及交易的数量变化，以及用途的变化</a:t>
             </a:r>
-            <a:endParaRPr sz="1600" dirty="0">
-              <a:solidFill>
-                <a:schemeClr val="tx1">
-                  <a:lumMod val="65000"/>
-                  <a:lumOff val="35000"/>
-                </a:schemeClr>
-              </a:solidFill>
-              <a:latin typeface="微软雅黑" panose="020B0503020204020204" pitchFamily="34" charset="-122"/>
-              <a:ea typeface="微软雅黑" panose="020B0503020204020204" pitchFamily="34" charset="-122"/>
-              <a:cs typeface="Leelawadee" panose="020B0502040204020203" pitchFamily="34" charset="-34"/>
-            </a:endParaRPr>
           </a:p>
         </p:txBody>
       </p:sp>
@@ -9577,16 +9830,6 @@
               </a:rPr>
               <a:t>选题的意义</a:t>
             </a:r>
-            <a:endParaRPr lang="zh-CN" altLang="en-US" sz="1800" b="1" dirty="0">
-              <a:solidFill>
-                <a:schemeClr val="tx1">
-                  <a:lumMod val="75000"/>
-                  <a:lumOff val="25000"/>
-                </a:schemeClr>
-              </a:solidFill>
-              <a:latin typeface="微软雅黑" panose="020B0503020204020204" pitchFamily="34" charset="-122"/>
-              <a:ea typeface="微软雅黑" panose="020B0503020204020204" pitchFamily="34" charset="-122"/>
-            </a:endParaRPr>
           </a:p>
         </p:txBody>
       </p:sp>
@@ -9612,7 +9855,7 @@
           <a:lstStyle/>
           <a:p>
             <a:r>
-              <a:rPr lang="en-US" altLang="zh-CN" sz="1600" dirty="0" smtClean="0">
+              <a:rPr lang="en-US" altLang="zh-CN" sz="1600" dirty="0">
                 <a:solidFill>
                   <a:schemeClr val="tx1">
                     <a:lumMod val="50000"/>
@@ -9623,15 +9866,6 @@
               </a:rPr>
               <a:t>Visual Punk</a:t>
             </a:r>
-            <a:endParaRPr lang="en-US" altLang="zh-CN" sz="1600" dirty="0" smtClean="0">
-              <a:solidFill>
-                <a:schemeClr val="tx1">
-                  <a:lumMod val="50000"/>
-                  <a:lumOff val="50000"/>
-                </a:schemeClr>
-              </a:solidFill>
-              <a:latin typeface="Impact" panose="020B0806030902050204" pitchFamily="34" charset="0"/>
-            </a:endParaRPr>
           </a:p>
         </p:txBody>
       </p:sp>
@@ -9984,21 +10218,14 @@
   <p:clrMapOvr>
     <a:masterClrMapping/>
   </p:clrMapOvr>
-  <mc:AlternateContent xmlns:mc="http://schemas.openxmlformats.org/markup-compatibility/2006">
-    <mc:Choice xmlns:p14="http://schemas.microsoft.com/office/powerpoint/2010/main" Requires="p14">
+  <mc:AlternateContent xmlns:mc="http://schemas.openxmlformats.org/markup-compatibility/2006" xmlns:p14="http://schemas.microsoft.com/office/powerpoint/2010/main">
+    <mc:Choice Requires="p14">
       <p:transition spd="slow" p14:dur="1600"/>
     </mc:Choice>
-    <mc:Fallback>
+    <mc:Fallback xmlns="">
       <p:transition spd="slow"/>
     </mc:Fallback>
   </mc:AlternateContent>
-  <p:timing>
-    <p:tnLst>
-      <p:par>
-        <p:cTn id="1" dur="indefinite" restart="never" nodeType="tmRoot"/>
-      </p:par>
-    </p:tnLst>
-  </p:timing>
 </p:sld>
 </file>
 
@@ -10084,17 +10311,6 @@
               </a:rPr>
               <a:t>cites濒危物种信息表</a:t>
             </a:r>
-            <a:endParaRPr sz="1600" dirty="0">
-              <a:solidFill>
-                <a:schemeClr val="tx1">
-                  <a:lumMod val="65000"/>
-                  <a:lumOff val="35000"/>
-                </a:schemeClr>
-              </a:solidFill>
-              <a:latin typeface="微软雅黑" panose="020B0503020204020204" pitchFamily="34" charset="-122"/>
-              <a:ea typeface="微软雅黑" panose="020B0503020204020204" pitchFamily="34" charset="-122"/>
-              <a:cs typeface="Leelawadee" panose="020B0502040204020203" pitchFamily="34" charset="-34"/>
-            </a:endParaRPr>
           </a:p>
           <a:p>
             <a:pPr>
@@ -10116,17 +10332,6 @@
               </a:rPr>
               <a:t>cites 2000-2017年濒危物种交易数据</a:t>
             </a:r>
-            <a:endParaRPr sz="1600" dirty="0">
-              <a:solidFill>
-                <a:schemeClr val="tx1">
-                  <a:lumMod val="65000"/>
-                  <a:lumOff val="35000"/>
-                </a:schemeClr>
-              </a:solidFill>
-              <a:latin typeface="微软雅黑" panose="020B0503020204020204" pitchFamily="34" charset="-122"/>
-              <a:ea typeface="微软雅黑" panose="020B0503020204020204" pitchFamily="34" charset="-122"/>
-              <a:cs typeface="Leelawadee" panose="020B0502040204020203" pitchFamily="34" charset="-34"/>
-            </a:endParaRPr>
           </a:p>
         </p:txBody>
       </p:sp>
@@ -10296,16 +10501,6 @@
               </a:rPr>
               <a:t>数据来源</a:t>
             </a:r>
-            <a:endParaRPr lang="zh-CN" altLang="en-US" sz="1800" b="1" dirty="0">
-              <a:solidFill>
-                <a:schemeClr val="tx1">
-                  <a:lumMod val="75000"/>
-                  <a:lumOff val="25000"/>
-                </a:schemeClr>
-              </a:solidFill>
-              <a:latin typeface="微软雅黑" panose="020B0503020204020204" pitchFamily="34" charset="-122"/>
-              <a:ea typeface="微软雅黑" panose="020B0503020204020204" pitchFamily="34" charset="-122"/>
-            </a:endParaRPr>
           </a:p>
         </p:txBody>
       </p:sp>
@@ -10331,7 +10526,7 @@
           <a:lstStyle/>
           <a:p>
             <a:r>
-              <a:rPr lang="en-US" altLang="zh-CN" sz="1600" dirty="0" smtClean="0">
+              <a:rPr lang="en-US" altLang="zh-CN" sz="1600" dirty="0">
                 <a:solidFill>
                   <a:schemeClr val="tx1">
                     <a:lumMod val="50000"/>
@@ -10342,15 +10537,6 @@
               </a:rPr>
               <a:t>Visual Punk</a:t>
             </a:r>
-            <a:endParaRPr lang="en-US" altLang="zh-CN" sz="1600" dirty="0" smtClean="0">
-              <a:solidFill>
-                <a:schemeClr val="tx1">
-                  <a:lumMod val="50000"/>
-                  <a:lumOff val="50000"/>
-                </a:schemeClr>
-              </a:solidFill>
-              <a:latin typeface="Impact" panose="020B0806030902050204" pitchFamily="34" charset="0"/>
-            </a:endParaRPr>
           </a:p>
         </p:txBody>
       </p:sp>
@@ -10707,7 +10893,7 @@
           <p:nvPr/>
         </p:nvPicPr>
         <p:blipFill>
-          <a:blip r:embed="rId1"/>
+          <a:blip r:embed="rId3"/>
           <a:stretch>
             <a:fillRect/>
           </a:stretch>
@@ -10787,17 +10973,6 @@
               </a:rPr>
               <a:t>www.sites.org</a:t>
             </a:r>
-            <a:endParaRPr lang="en-US" sz="1200" i="1" dirty="0">
-              <a:solidFill>
-                <a:schemeClr val="tx1">
-                  <a:lumMod val="65000"/>
-                  <a:lumOff val="35000"/>
-                </a:schemeClr>
-              </a:solidFill>
-              <a:latin typeface="微软雅黑" panose="020B0503020204020204" pitchFamily="34" charset="-122"/>
-              <a:ea typeface="微软雅黑" panose="020B0503020204020204" pitchFamily="34" charset="-122"/>
-              <a:cs typeface="Leelawadee" panose="020B0502040204020203" pitchFamily="34" charset="-34"/>
-            </a:endParaRPr>
           </a:p>
         </p:txBody>
       </p:sp>
@@ -10806,21 +10981,14 @@
   <p:clrMapOvr>
     <a:masterClrMapping/>
   </p:clrMapOvr>
-  <mc:AlternateContent xmlns:mc="http://schemas.openxmlformats.org/markup-compatibility/2006">
-    <mc:Choice xmlns:p14="http://schemas.microsoft.com/office/powerpoint/2010/main" Requires="p14">
+  <mc:AlternateContent xmlns:mc="http://schemas.openxmlformats.org/markup-compatibility/2006" xmlns:p14="http://schemas.microsoft.com/office/powerpoint/2010/main">
+    <mc:Choice Requires="p14">
       <p:transition spd="slow" p14:dur="1600"/>
     </mc:Choice>
-    <mc:Fallback>
+    <mc:Fallback xmlns="">
       <p:transition spd="slow"/>
     </mc:Fallback>
   </mc:AlternateContent>
-  <p:timing>
-    <p:tnLst>
-      <p:par>
-        <p:cTn id="1" dur="indefinite" restart="never" nodeType="tmRoot"/>
-      </p:par>
-    </p:tnLst>
-  </p:timing>
 </p:sld>
 </file>
 
@@ -10920,17 +11088,6 @@
               </a:rPr>
               <a:t>对两个数据来源中不需要的分析项目去除 并导入至数据库</a:t>
             </a:r>
-            <a:endParaRPr sz="1600" dirty="0">
-              <a:solidFill>
-                <a:schemeClr val="tx1">
-                  <a:lumMod val="65000"/>
-                  <a:lumOff val="35000"/>
-                </a:schemeClr>
-              </a:solidFill>
-              <a:latin typeface="微软雅黑" panose="020B0503020204020204" pitchFamily="34" charset="-122"/>
-              <a:ea typeface="微软雅黑" panose="020B0503020204020204" pitchFamily="34" charset="-122"/>
-              <a:cs typeface="Leelawadee" panose="020B0502040204020203" pitchFamily="34" charset="-34"/>
-            </a:endParaRPr>
           </a:p>
           <a:p>
             <a:pPr>
@@ -10980,17 +11137,6 @@
               </a:rPr>
               <a:t>从数据库中将需要的数据转化成json文件</a:t>
             </a:r>
-            <a:endParaRPr sz="1600" dirty="0">
-              <a:solidFill>
-                <a:schemeClr val="tx1">
-                  <a:lumMod val="65000"/>
-                  <a:lumOff val="35000"/>
-                </a:schemeClr>
-              </a:solidFill>
-              <a:latin typeface="微软雅黑" panose="020B0503020204020204" pitchFamily="34" charset="-122"/>
-              <a:ea typeface="微软雅黑" panose="020B0503020204020204" pitchFamily="34" charset="-122"/>
-              <a:cs typeface="Leelawadee" panose="020B0502040204020203" pitchFamily="34" charset="-34"/>
-            </a:endParaRPr>
           </a:p>
         </p:txBody>
       </p:sp>
@@ -11197,7 +11343,7 @@
           <a:lstStyle/>
           <a:p>
             <a:r>
-              <a:rPr lang="en-US" altLang="zh-CN" sz="1600" dirty="0" smtClean="0">
+              <a:rPr lang="en-US" altLang="zh-CN" sz="1600" dirty="0">
                 <a:solidFill>
                   <a:schemeClr val="tx1">
                     <a:lumMod val="50000"/>
@@ -11208,15 +11354,6 @@
               </a:rPr>
               <a:t>Visual Punk</a:t>
             </a:r>
-            <a:endParaRPr lang="en-US" altLang="zh-CN" sz="1600" dirty="0" smtClean="0">
-              <a:solidFill>
-                <a:schemeClr val="tx1">
-                  <a:lumMod val="50000"/>
-                  <a:lumOff val="50000"/>
-                </a:schemeClr>
-              </a:solidFill>
-              <a:latin typeface="Impact" panose="020B0806030902050204" pitchFamily="34" charset="0"/>
-            </a:endParaRPr>
           </a:p>
         </p:txBody>
       </p:sp>
@@ -11569,21 +11706,14 @@
   <p:clrMapOvr>
     <a:masterClrMapping/>
   </p:clrMapOvr>
-  <mc:AlternateContent xmlns:mc="http://schemas.openxmlformats.org/markup-compatibility/2006">
-    <mc:Choice xmlns:p14="http://schemas.microsoft.com/office/powerpoint/2010/main" Requires="p14">
+  <mc:AlternateContent xmlns:mc="http://schemas.openxmlformats.org/markup-compatibility/2006" xmlns:p14="http://schemas.microsoft.com/office/powerpoint/2010/main">
+    <mc:Choice Requires="p14">
       <p:transition spd="slow" p14:dur="1600"/>
     </mc:Choice>
-    <mc:Fallback>
+    <mc:Fallback xmlns="">
       <p:transition spd="slow"/>
     </mc:Fallback>
   </mc:AlternateContent>
-  <p:timing>
-    <p:tnLst>
-      <p:par>
-        <p:cTn id="1" dur="indefinite" restart="never" nodeType="tmRoot"/>
-      </p:par>
-    </p:tnLst>
-  </p:timing>
 </p:sld>
 </file>
 
@@ -11807,7 +11937,7 @@
           <a:lstStyle/>
           <a:p>
             <a:r>
-              <a:rPr lang="en-US" altLang="zh-CN" sz="1600" dirty="0" smtClean="0">
+              <a:rPr lang="en-US" altLang="zh-CN" sz="1600" dirty="0">
                 <a:solidFill>
                   <a:schemeClr val="tx1">
                     <a:lumMod val="50000"/>
@@ -11818,15 +11948,6 @@
               </a:rPr>
               <a:t>Visual Punk</a:t>
             </a:r>
-            <a:endParaRPr lang="en-US" altLang="zh-CN" sz="1600" dirty="0" smtClean="0">
-              <a:solidFill>
-                <a:schemeClr val="tx1">
-                  <a:lumMod val="50000"/>
-                  <a:lumOff val="50000"/>
-                </a:schemeClr>
-              </a:solidFill>
-              <a:latin typeface="Impact" panose="020B0806030902050204" pitchFamily="34" charset="0"/>
-            </a:endParaRPr>
           </a:p>
         </p:txBody>
       </p:sp>
@@ -12183,7 +12304,7 @@
           <p:nvPr/>
         </p:nvPicPr>
         <p:blipFill>
-          <a:blip r:embed="rId1"/>
+          <a:blip r:embed="rId3"/>
           <a:stretch>
             <a:fillRect/>
           </a:stretch>
@@ -12203,21 +12324,14 @@
   <p:clrMapOvr>
     <a:masterClrMapping/>
   </p:clrMapOvr>
-  <mc:AlternateContent xmlns:mc="http://schemas.openxmlformats.org/markup-compatibility/2006">
-    <mc:Choice xmlns:p14="http://schemas.microsoft.com/office/powerpoint/2010/main" Requires="p14">
+  <mc:AlternateContent xmlns:mc="http://schemas.openxmlformats.org/markup-compatibility/2006" xmlns:p14="http://schemas.microsoft.com/office/powerpoint/2010/main">
+    <mc:Choice Requires="p14">
       <p:transition spd="slow" p14:dur="1600"/>
     </mc:Choice>
-    <mc:Fallback>
+    <mc:Fallback xmlns="">
       <p:transition spd="slow"/>
     </mc:Fallback>
   </mc:AlternateContent>
-  <p:timing>
-    <p:tnLst>
-      <p:par>
-        <p:cTn id="1" dur="indefinite" restart="never" nodeType="tmRoot"/>
-      </p:par>
-    </p:tnLst>
-  </p:timing>
 </p:sld>
 </file>
 
@@ -12441,7 +12555,7 @@
           <a:lstStyle/>
           <a:p>
             <a:r>
-              <a:rPr lang="en-US" altLang="zh-CN" sz="1600" dirty="0" smtClean="0">
+              <a:rPr lang="en-US" altLang="zh-CN" sz="1600" dirty="0">
                 <a:solidFill>
                   <a:schemeClr val="tx1">
                     <a:lumMod val="50000"/>
@@ -12452,15 +12566,6 @@
               </a:rPr>
               <a:t>Visual Punk</a:t>
             </a:r>
-            <a:endParaRPr lang="en-US" altLang="zh-CN" sz="1600" dirty="0" smtClean="0">
-              <a:solidFill>
-                <a:schemeClr val="tx1">
-                  <a:lumMod val="50000"/>
-                  <a:lumOff val="50000"/>
-                </a:schemeClr>
-              </a:solidFill>
-              <a:latin typeface="Impact" panose="020B0806030902050204" pitchFamily="34" charset="0"/>
-            </a:endParaRPr>
           </a:p>
         </p:txBody>
       </p:sp>
@@ -12817,7 +12922,7 @@
           <p:nvPr/>
         </p:nvPicPr>
         <p:blipFill>
-          <a:blip r:embed="rId1"/>
+          <a:blip r:embed="rId3"/>
           <a:stretch>
             <a:fillRect/>
           </a:stretch>
@@ -12837,21 +12942,14 @@
   <p:clrMapOvr>
     <a:masterClrMapping/>
   </p:clrMapOvr>
-  <mc:AlternateContent xmlns:mc="http://schemas.openxmlformats.org/markup-compatibility/2006">
-    <mc:Choice xmlns:p14="http://schemas.microsoft.com/office/powerpoint/2010/main" Requires="p14">
+  <mc:AlternateContent xmlns:mc="http://schemas.openxmlformats.org/markup-compatibility/2006" xmlns:p14="http://schemas.microsoft.com/office/powerpoint/2010/main">
+    <mc:Choice Requires="p14">
       <p:transition spd="slow" p14:dur="1600"/>
     </mc:Choice>
-    <mc:Fallback>
+    <mc:Fallback xmlns="">
       <p:transition spd="slow"/>
     </mc:Fallback>
   </mc:AlternateContent>
-  <p:timing>
-    <p:tnLst>
-      <p:par>
-        <p:cTn id="1" dur="indefinite" restart="never" nodeType="tmRoot"/>
-      </p:par>
-    </p:tnLst>
-  </p:timing>
 </p:sld>
 </file>
 
@@ -13075,7 +13173,7 @@
           <a:lstStyle/>
           <a:p>
             <a:r>
-              <a:rPr lang="en-US" altLang="zh-CN" sz="1600" dirty="0" smtClean="0">
+              <a:rPr lang="en-US" altLang="zh-CN" sz="1600" dirty="0">
                 <a:solidFill>
                   <a:schemeClr val="tx1">
                     <a:lumMod val="50000"/>
@@ -13086,15 +13184,6 @@
               </a:rPr>
               <a:t>Visual Punk</a:t>
             </a:r>
-            <a:endParaRPr lang="en-US" altLang="zh-CN" sz="1600" dirty="0" smtClean="0">
-              <a:solidFill>
-                <a:schemeClr val="tx1">
-                  <a:lumMod val="50000"/>
-                  <a:lumOff val="50000"/>
-                </a:schemeClr>
-              </a:solidFill>
-              <a:latin typeface="Impact" panose="020B0806030902050204" pitchFamily="34" charset="0"/>
-            </a:endParaRPr>
           </a:p>
         </p:txBody>
       </p:sp>
@@ -13451,7 +13540,7 @@
           <p:nvPr/>
         </p:nvPicPr>
         <p:blipFill>
-          <a:blip r:embed="rId1"/>
+          <a:blip r:embed="rId3"/>
           <a:stretch>
             <a:fillRect/>
           </a:stretch>
@@ -13471,21 +13560,14 @@
   <p:clrMapOvr>
     <a:masterClrMapping/>
   </p:clrMapOvr>
-  <mc:AlternateContent xmlns:mc="http://schemas.openxmlformats.org/markup-compatibility/2006">
-    <mc:Choice xmlns:p14="http://schemas.microsoft.com/office/powerpoint/2010/main" Requires="p14">
+  <mc:AlternateContent xmlns:mc="http://schemas.openxmlformats.org/markup-compatibility/2006" xmlns:p14="http://schemas.microsoft.com/office/powerpoint/2010/main">
+    <mc:Choice Requires="p14">
       <p:transition spd="slow" p14:dur="1600"/>
     </mc:Choice>
-    <mc:Fallback>
+    <mc:Fallback xmlns="">
       <p:transition spd="slow"/>
     </mc:Fallback>
   </mc:AlternateContent>
-  <p:timing>
-    <p:tnLst>
-      <p:par>
-        <p:cTn id="1" dur="indefinite" restart="never" nodeType="tmRoot"/>
-      </p:par>
-    </p:tnLst>
-  </p:timing>
 </p:sld>
 </file>
 
@@ -13585,17 +13667,6 @@
               </a:rPr>
               <a:t>+ 进出口前20的国家</a:t>
             </a:r>
-            <a:endParaRPr sz="1600" dirty="0">
-              <a:solidFill>
-                <a:schemeClr val="tx1">
-                  <a:lumMod val="65000"/>
-                  <a:lumOff val="35000"/>
-                </a:schemeClr>
-              </a:solidFill>
-              <a:latin typeface="微软雅黑" panose="020B0503020204020204" pitchFamily="34" charset="-122"/>
-              <a:ea typeface="微软雅黑" panose="020B0503020204020204" pitchFamily="34" charset="-122"/>
-              <a:cs typeface="Leelawadee" panose="020B0502040204020203" pitchFamily="34" charset="-34"/>
-            </a:endParaRPr>
           </a:p>
           <a:p>
             <a:pPr>
@@ -13617,17 +13688,6 @@
               </a:rPr>
               <a:t> + 对于进口国家，会考察每年它们进口的来源、进口的物种种类、交易量以及目的</a:t>
             </a:r>
-            <a:endParaRPr sz="1600" dirty="0">
-              <a:solidFill>
-                <a:schemeClr val="tx1">
-                  <a:lumMod val="65000"/>
-                  <a:lumOff val="35000"/>
-                </a:schemeClr>
-              </a:solidFill>
-              <a:latin typeface="微软雅黑" panose="020B0503020204020204" pitchFamily="34" charset="-122"/>
-              <a:ea typeface="微软雅黑" panose="020B0503020204020204" pitchFamily="34" charset="-122"/>
-              <a:cs typeface="Leelawadee" panose="020B0502040204020203" pitchFamily="34" charset="-34"/>
-            </a:endParaRPr>
           </a:p>
           <a:p>
             <a:pPr>
@@ -13649,17 +13709,6 @@
               </a:rPr>
               <a:t> + 对于出口国家，会考察每年它们出口的目的地，出口的物种种类、交易量以及目的</a:t>
             </a:r>
-            <a:endParaRPr sz="1600" dirty="0">
-              <a:solidFill>
-                <a:schemeClr val="tx1">
-                  <a:lumMod val="65000"/>
-                  <a:lumOff val="35000"/>
-                </a:schemeClr>
-              </a:solidFill>
-              <a:latin typeface="微软雅黑" panose="020B0503020204020204" pitchFamily="34" charset="-122"/>
-              <a:ea typeface="微软雅黑" panose="020B0503020204020204" pitchFamily="34" charset="-122"/>
-              <a:cs typeface="Leelawadee" panose="020B0502040204020203" pitchFamily="34" charset="-34"/>
-            </a:endParaRPr>
           </a:p>
           <a:p>
             <a:pPr>
@@ -13681,17 +13730,6 @@
               </a:rPr>
               <a:t> + 全球濒危动物的交易总量</a:t>
             </a:r>
-            <a:endParaRPr sz="1600" dirty="0">
-              <a:solidFill>
-                <a:schemeClr val="tx1">
-                  <a:lumMod val="65000"/>
-                  <a:lumOff val="35000"/>
-                </a:schemeClr>
-              </a:solidFill>
-              <a:latin typeface="微软雅黑" panose="020B0503020204020204" pitchFamily="34" charset="-122"/>
-              <a:ea typeface="微软雅黑" panose="020B0503020204020204" pitchFamily="34" charset="-122"/>
-              <a:cs typeface="Leelawadee" panose="020B0502040204020203" pitchFamily="34" charset="-34"/>
-            </a:endParaRPr>
           </a:p>
         </p:txBody>
       </p:sp>
@@ -13898,7 +13936,7 @@
           <a:lstStyle/>
           <a:p>
             <a:r>
-              <a:rPr lang="en-US" altLang="zh-CN" sz="1600" dirty="0" smtClean="0">
+              <a:rPr lang="en-US" altLang="zh-CN" sz="1600" dirty="0">
                 <a:solidFill>
                   <a:schemeClr val="tx1">
                     <a:lumMod val="50000"/>
@@ -13909,15 +13947,6 @@
               </a:rPr>
               <a:t>Visual Punk</a:t>
             </a:r>
-            <a:endParaRPr lang="en-US" altLang="zh-CN" sz="1600" dirty="0" smtClean="0">
-              <a:solidFill>
-                <a:schemeClr val="tx1">
-                  <a:lumMod val="50000"/>
-                  <a:lumOff val="50000"/>
-                </a:schemeClr>
-              </a:solidFill>
-              <a:latin typeface="Impact" panose="020B0806030902050204" pitchFamily="34" charset="0"/>
-            </a:endParaRPr>
           </a:p>
         </p:txBody>
       </p:sp>
@@ -14270,21 +14299,14 @@
   <p:clrMapOvr>
     <a:masterClrMapping/>
   </p:clrMapOvr>
-  <mc:AlternateContent xmlns:mc="http://schemas.openxmlformats.org/markup-compatibility/2006">
-    <mc:Choice xmlns:p14="http://schemas.microsoft.com/office/powerpoint/2010/main" Requires="p14">
+  <mc:AlternateContent xmlns:mc="http://schemas.openxmlformats.org/markup-compatibility/2006" xmlns:p14="http://schemas.microsoft.com/office/powerpoint/2010/main">
+    <mc:Choice Requires="p14">
       <p:transition spd="slow" p14:dur="1600"/>
     </mc:Choice>
-    <mc:Fallback>
+    <mc:Fallback xmlns="">
       <p:transition spd="slow"/>
     </mc:Fallback>
   </mc:AlternateContent>
-  <p:timing>
-    <p:tnLst>
-      <p:par>
-        <p:cTn id="1" dur="indefinite" restart="never" nodeType="tmRoot"/>
-      </p:par>
-    </p:tnLst>
-  </p:timing>
 </p:sld>
 </file>
 
@@ -14568,6 +14590,8 @@
       </a:bgFillStyleLst>
     </a:fmtScheme>
   </a:themeElements>
+  <a:objectDefaults/>
+  <a:extraClrSchemeLst/>
   <a:extLst>
     <a:ext uri="{05A4C25C-085E-4340-85A3-A5531E510DB2}">
       <thm15:themeFamily xmlns:thm15="http://schemas.microsoft.com/office/thememl/2012/main" name="Office Theme" id="{62F939B6-93AF-4DB8-9C6B-D6C7DFDC589F}" vid="{4A3C46E8-61CC-4603-A589-7422A47A8E4A}"/>
@@ -14856,6 +14880,8 @@
       </a:bgFillStyleLst>
     </a:fmtScheme>
   </a:themeElements>
+  <a:objectDefaults/>
+  <a:extraClrSchemeLst/>
   <a:extLst>
     <a:ext uri="{05A4C25C-085E-4340-85A3-A5531E510DB2}">
       <thm15:themeFamily xmlns:thm15="http://schemas.microsoft.com/office/thememl/2012/main" name="Office Theme" id="{62F939B6-93AF-4DB8-9C6B-D6C7DFDC589F}" vid="{4A3C46E8-61CC-4603-A589-7422A47A8E4A}"/>
